--- a/src/main/resources/content/ppt-templates/design8.pptx
+++ b/src/main/resources/content/ppt-templates/design8.pptx
@@ -2,26 +2,26 @@
 <file path=ppt/presentation.xml><?xml version="1.0" encoding="utf-8"?>
 <p:presentation xmlns:a="http://schemas.openxmlformats.org/drawingml/2006/main" xmlns:r="http://schemas.openxmlformats.org/officeDocument/2006/relationships" xmlns:p="http://schemas.openxmlformats.org/presentationml/2006/main" removePersonalInfoOnSave="1" saveSubsetFonts="1" autoCompressPictures="0">
   <p:sldMasterIdLst>
-    <p:sldMasterId id="2147483648" r:id="rId1"/>
+    <p:sldMasterId id="2147483648" r:id="rId4"/>
   </p:sldMasterIdLst>
   <p:notesMasterIdLst>
-    <p:notesMasterId r:id="rId16"/>
+    <p:notesMasterId r:id="rId19"/>
   </p:notesMasterIdLst>
   <p:sldIdLst>
-    <p:sldId id="256" r:id="rId2"/>
-    <p:sldId id="257" r:id="rId3"/>
-    <p:sldId id="258" r:id="rId4"/>
-    <p:sldId id="259" r:id="rId5"/>
-    <p:sldId id="260" r:id="rId6"/>
-    <p:sldId id="273" r:id="rId7"/>
-    <p:sldId id="271" r:id="rId8"/>
-    <p:sldId id="269" r:id="rId9"/>
-    <p:sldId id="264" r:id="rId10"/>
-    <p:sldId id="270" r:id="rId11"/>
-    <p:sldId id="265" r:id="rId12"/>
-    <p:sldId id="266" r:id="rId13"/>
-    <p:sldId id="267" r:id="rId14"/>
-    <p:sldId id="275" r:id="rId15"/>
+    <p:sldId id="256" r:id="rId5"/>
+    <p:sldId id="257" r:id="rId6"/>
+    <p:sldId id="258" r:id="rId7"/>
+    <p:sldId id="259" r:id="rId8"/>
+    <p:sldId id="260" r:id="rId9"/>
+    <p:sldId id="273" r:id="rId10"/>
+    <p:sldId id="271" r:id="rId11"/>
+    <p:sldId id="269" r:id="rId12"/>
+    <p:sldId id="264" r:id="rId13"/>
+    <p:sldId id="270" r:id="rId14"/>
+    <p:sldId id="265" r:id="rId15"/>
+    <p:sldId id="266" r:id="rId16"/>
+    <p:sldId id="267" r:id="rId17"/>
+    <p:sldId id="275" r:id="rId18"/>
   </p:sldIdLst>
   <p:sldSz cx="12192000" cy="6858000"/>
   <p:notesSz cx="6858000" cy="9144000"/>
@@ -140,7 +140,7 @@
 </p:cmAuthorLst>
 </file>
 
-<file path=ppt/diagrams/colors12.xml><?xml version="1.0" encoding="utf-8"?>
+<file path=ppt/diagrams/colors1.xml><?xml version="1.0" encoding="utf-8"?>
 <dgm:colorsDef xmlns:dgm="http://schemas.openxmlformats.org/drawingml/2006/diagram" xmlns:a="http://schemas.openxmlformats.org/drawingml/2006/main" uniqueId="urn:microsoft.com/office/officeart/2005/8/colors/colorful1">
   <dgm:title val=""/>
   <dgm:desc val=""/>
@@ -1059,7 +1059,7 @@
 </dgm:colorsDef>
 </file>
 
-<file path=ppt/diagrams/colors21.xml><?xml version="1.0" encoding="utf-8"?>
+<file path=ppt/diagrams/colors2.xml><?xml version="1.0" encoding="utf-8"?>
 <dgm:colorsDef xmlns:dgm="http://schemas.openxmlformats.org/drawingml/2006/diagram" xmlns:a="http://schemas.openxmlformats.org/drawingml/2006/main" uniqueId="urn:microsoft.com/office/officeart/2005/8/colors/accent2_5">
   <dgm:title val=""/>
   <dgm:desc val=""/>
@@ -1939,7 +1939,7 @@
 </dgm:colorsDef>
 </file>
 
-<file path=ppt/diagrams/data12.xml><?xml version="1.0" encoding="utf-8"?>
+<file path=ppt/diagrams/data1.xml><?xml version="1.0" encoding="utf-8"?>
 <dgm:dataModel xmlns:dgm="http://schemas.openxmlformats.org/drawingml/2006/diagram" xmlns:a="http://schemas.openxmlformats.org/drawingml/2006/main">
   <dgm:ptLst>
     <dgm:pt modelId="{0DD8915E-DC14-41D6-9BB5-F49E1C265163}" type="doc">
@@ -2777,18 +2777,18 @@
     <dgm:cxn modelId="{5A5BA622-5DEB-48B9-88D9-C1DE36C711E5}" srcId="{B1AFA1AF-0FF8-45B3-A6D0-0E255A2F637D}" destId="{50418D2B-9486-42DE-AFDD-1D31420040FF}" srcOrd="0" destOrd="0" parTransId="{D5A17F6B-93F5-442B-938A-0F38C281BE88}" sibTransId="{1D87A0A5-8024-4710-846B-D5BFAC785107}"/>
     <dgm:cxn modelId="{029E4233-DBFE-C64A-B874-B5F720CDE974}" type="presOf" srcId="{FEB4A941-E9FA-4A86-A673-85FF34B35F20}" destId="{9312E8E2-BBD1-104A-9F74-B0103AF69816}" srcOrd="1" destOrd="1" presId="urn:microsoft.com/office/officeart/2005/8/layout/hList7"/>
     <dgm:cxn modelId="{711E093C-AD42-45A4-8D40-A2D39702062E}" srcId="{A2322D3A-7AC2-4C5C-9D7E-EAB2313D47D4}" destId="{8FE81FEC-2664-411F-AEB3-065F29F52751}" srcOrd="0" destOrd="0" parTransId="{BCBC007E-0269-421B-9C41-DE26D5C3A822}" sibTransId="{80230EB7-7230-4881-A631-309C07417378}"/>
+    <dgm:cxn modelId="{0CDD0345-B9D9-564F-9C2A-594661BD7D44}" type="presOf" srcId="{73D947E0-108F-4D20-A71E-3CF329F97212}" destId="{8F8B275D-8553-0846-A316-484B7B291C97}" srcOrd="0" destOrd="0" presId="urn:microsoft.com/office/officeart/2005/8/layout/hList7"/>
+    <dgm:cxn modelId="{FFD46F48-1601-3B48-AC95-844EF8053475}" type="presOf" srcId="{8FE81FEC-2664-411F-AEB3-065F29F52751}" destId="{73C20AF0-FA1E-3C4A-AD07-551A27BE2B92}" srcOrd="0" destOrd="1" presId="urn:microsoft.com/office/officeart/2005/8/layout/hList7"/>
+    <dgm:cxn modelId="{946C164A-769F-8147-A19A-97A93F0144C2}" type="presOf" srcId="{566CA0B6-95FF-3A46-BF54-8E3C5843F883}" destId="{434ABADC-97F5-A547-823D-7594A86D79D3}" srcOrd="0" destOrd="2" presId="urn:microsoft.com/office/officeart/2005/8/layout/hList7"/>
+    <dgm:cxn modelId="{51563A4F-C0EB-47D6-B5BC-47A4E599AD4B}" srcId="{E9682B4F-0217-4B50-923E-C104AA24290F}" destId="{0EC0C300-11E4-45CF-8418-973585107209}" srcOrd="0" destOrd="0" parTransId="{1E4DD98E-100E-46B7-B24A-408BBF69E9FA}" sibTransId="{90FAB5D1-62B3-4FF6-A07D-EE607F529C32}"/>
+    <dgm:cxn modelId="{D7846C52-051C-7E4A-8666-A7FC857AC117}" type="presOf" srcId="{4F85505A-81B6-4FDA-A144-900B71DAD946}" destId="{9312E8E2-BBD1-104A-9F74-B0103AF69816}" srcOrd="1" destOrd="0" presId="urn:microsoft.com/office/officeart/2005/8/layout/hList7"/>
+    <dgm:cxn modelId="{2D633B56-E147-4EFC-B9EE-6C0413F329B0}" srcId="{0DD8915E-DC14-41D6-9BB5-F49E1C265163}" destId="{4F85505A-81B6-4FDA-A144-900B71DAD946}" srcOrd="3" destOrd="0" parTransId="{D9A96E25-7BBE-4DDD-8DDE-B4970D4340A8}" sibTransId="{68F74A88-49DC-44B1-BC0D-220A7B97601C}"/>
     <dgm:cxn modelId="{F4196061-8F22-F64C-80CC-9FC99308DC40}" type="presOf" srcId="{A2322D3A-7AC2-4C5C-9D7E-EAB2313D47D4}" destId="{AF3E8B43-0466-2941-94BF-5E057B356E82}" srcOrd="1" destOrd="0" presId="urn:microsoft.com/office/officeart/2005/8/layout/hList7"/>
     <dgm:cxn modelId="{71549A62-CAF4-BE45-851A-4CCE70CE64C3}" type="presOf" srcId="{4F85505A-81B6-4FDA-A144-900B71DAD946}" destId="{028C9BA8-C3B3-F947-915F-EE2FD2FCA9A5}" srcOrd="0" destOrd="0" presId="urn:microsoft.com/office/officeart/2005/8/layout/hList7"/>
     <dgm:cxn modelId="{5368DE64-FD22-024A-86AC-2607350C890A}" type="presOf" srcId="{AE813459-65AB-4FA9-B717-330DDA6DFA4E}" destId="{DF3C77F5-32F3-5845-BEE2-529229516397}" srcOrd="0" destOrd="0" presId="urn:microsoft.com/office/officeart/2005/8/layout/hList7"/>
-    <dgm:cxn modelId="{0CDD0345-B9D9-564F-9C2A-594661BD7D44}" type="presOf" srcId="{73D947E0-108F-4D20-A71E-3CF329F97212}" destId="{8F8B275D-8553-0846-A316-484B7B291C97}" srcOrd="0" destOrd="0" presId="urn:microsoft.com/office/officeart/2005/8/layout/hList7"/>
     <dgm:cxn modelId="{80DC2967-0B8E-9442-A9E2-4F58C113FDCA}" type="presOf" srcId="{B1AFA1AF-0FF8-45B3-A6D0-0E255A2F637D}" destId="{4DFF6703-D32F-9E47-96B8-A304C47CCB78}" srcOrd="0" destOrd="0" presId="urn:microsoft.com/office/officeart/2005/8/layout/hList7"/>
-    <dgm:cxn modelId="{FFD46F48-1601-3B48-AC95-844EF8053475}" type="presOf" srcId="{8FE81FEC-2664-411F-AEB3-065F29F52751}" destId="{73C20AF0-FA1E-3C4A-AD07-551A27BE2B92}" srcOrd="0" destOrd="1" presId="urn:microsoft.com/office/officeart/2005/8/layout/hList7"/>
-    <dgm:cxn modelId="{946C164A-769F-8147-A19A-97A93F0144C2}" type="presOf" srcId="{566CA0B6-95FF-3A46-BF54-8E3C5843F883}" destId="{434ABADC-97F5-A547-823D-7594A86D79D3}" srcOrd="0" destOrd="2" presId="urn:microsoft.com/office/officeart/2005/8/layout/hList7"/>
     <dgm:cxn modelId="{FF82E56C-0E90-E648-A4FD-33776C71CA80}" type="presOf" srcId="{8FE81FEC-2664-411F-AEB3-065F29F52751}" destId="{AF3E8B43-0466-2941-94BF-5E057B356E82}" srcOrd="1" destOrd="1" presId="urn:microsoft.com/office/officeart/2005/8/layout/hList7"/>
     <dgm:cxn modelId="{F942F56C-9025-4AA1-9B36-C5AE0A93B0F5}" srcId="{4F85505A-81B6-4FDA-A144-900B71DAD946}" destId="{FEB4A941-E9FA-4A86-A673-85FF34B35F20}" srcOrd="0" destOrd="0" parTransId="{39522508-BC4E-4DD5-A744-AFEFFE36DB74}" sibTransId="{97624CC8-6315-4683-B26C-C30D552DA5A6}"/>
-    <dgm:cxn modelId="{51563A4F-C0EB-47D6-B5BC-47A4E599AD4B}" srcId="{E9682B4F-0217-4B50-923E-C104AA24290F}" destId="{0EC0C300-11E4-45CF-8418-973585107209}" srcOrd="0" destOrd="0" parTransId="{1E4DD98E-100E-46B7-B24A-408BBF69E9FA}" sibTransId="{90FAB5D1-62B3-4FF6-A07D-EE607F529C32}"/>
-    <dgm:cxn modelId="{D7846C52-051C-7E4A-8666-A7FC857AC117}" type="presOf" srcId="{4F85505A-81B6-4FDA-A144-900B71DAD946}" destId="{9312E8E2-BBD1-104A-9F74-B0103AF69816}" srcOrd="1" destOrd="0" presId="urn:microsoft.com/office/officeart/2005/8/layout/hList7"/>
-    <dgm:cxn modelId="{2D633B56-E147-4EFC-B9EE-6C0413F329B0}" srcId="{0DD8915E-DC14-41D6-9BB5-F49E1C265163}" destId="{4F85505A-81B6-4FDA-A144-900B71DAD946}" srcOrd="3" destOrd="0" parTransId="{D9A96E25-7BBE-4DDD-8DDE-B4970D4340A8}" sibTransId="{68F74A88-49DC-44B1-BC0D-220A7B97601C}"/>
     <dgm:cxn modelId="{28690183-A8F8-5D4A-A0A0-F1EAC1F67584}" type="presOf" srcId="{E9682B4F-0217-4B50-923E-C104AA24290F}" destId="{BC636E4B-34B9-8543-A308-00E0D1B0D2F9}" srcOrd="1" destOrd="0" presId="urn:microsoft.com/office/officeart/2005/8/layout/hList7"/>
     <dgm:cxn modelId="{982C4584-ADB4-6A42-88C0-8DDE5CF3D3B6}" type="presOf" srcId="{FEB4A941-E9FA-4A86-A673-85FF34B35F20}" destId="{028C9BA8-C3B3-F947-915F-EE2FD2FCA9A5}" srcOrd="0" destOrd="1" presId="urn:microsoft.com/office/officeart/2005/8/layout/hList7"/>
     <dgm:cxn modelId="{C6485397-44AD-F347-A313-AE5F356648F1}" type="presOf" srcId="{50418D2B-9486-42DE-AFDD-1D31420040FF}" destId="{BA2077AD-A827-784F-87A6-E8E29A836D84}" srcOrd="1" destOrd="1" presId="urn:microsoft.com/office/officeart/2005/8/layout/hList7"/>
@@ -2848,7 +2848,7 @@
 </dgm:dataModel>
 </file>
 
-<file path=ppt/diagrams/data21.xml><?xml version="1.0" encoding="utf-8"?>
+<file path=ppt/diagrams/data2.xml><?xml version="1.0" encoding="utf-8"?>
 <dgm:dataModel xmlns:dgm="http://schemas.openxmlformats.org/drawingml/2006/diagram" xmlns:a="http://schemas.openxmlformats.org/drawingml/2006/main">
   <dgm:ptLst>
     <dgm:pt modelId="{05A24E01-5535-46B9-A9A1-A9A07E639A88}" type="doc">
@@ -3883,9 +3883,9 @@
     <dgm:cxn modelId="{7DDF5444-F976-4F04-88A9-CF8B15238792}" type="presOf" srcId="{58FF46FB-368D-4E9C-A650-0513B8879DA8}" destId="{8E3FB235-DF38-476B-9A0E-B1E583D50944}" srcOrd="0" destOrd="0" presId="urn:microsoft.com/office/officeart/2017/3/layout/DropPinTimeline"/>
     <dgm:cxn modelId="{1690634A-EBA7-4881-9E5F-0C82421D4CDF}" type="presOf" srcId="{FA8F44BD-C8C7-462C-9756-1EC498E86842}" destId="{2D6C7916-1130-46A8-833B-A6278CBD2192}" srcOrd="0" destOrd="0" presId="urn:microsoft.com/office/officeart/2017/3/layout/DropPinTimeline"/>
     <dgm:cxn modelId="{B659504B-18E4-4D89-A17C-34ABB280AE52}" srcId="{58FF46FB-368D-4E9C-A650-0513B8879DA8}" destId="{9A875394-CA1E-4432-AEEB-9054FCFF5E0E}" srcOrd="0" destOrd="0" parTransId="{FCC92BDD-6EA3-421D-9DA8-7D3A12D003B6}" sibTransId="{0314452B-82A0-42F4-9551-DF00CFFC3580}"/>
-    <dgm:cxn modelId="{66B49C6C-FAFD-47B4-BF22-05A295C23D4E}" srcId="{05A24E01-5535-46B9-A9A1-A9A07E639A88}" destId="{8BAB5E6F-A65E-41DB-A296-0818B0E49F7C}" srcOrd="3" destOrd="0" parTransId="{886842C6-3EFC-4BE7-B417-415595758830}" sibTransId="{B407F4C3-8FC9-4E91-A0EC-6B33713CC9A5}"/>
     <dgm:cxn modelId="{15319551-A9EA-462E-845B-E5251E84291F}" srcId="{8B9AF88A-E1F7-4D3A-905F-87228D6A8655}" destId="{DF1ABFB3-B399-406F-91BD-DCDF9A38526B}" srcOrd="0" destOrd="0" parTransId="{78CB0E27-958C-4066-A189-8B36505E8204}" sibTransId="{70E4A1D3-514E-4327-991D-5CC9C6B41885}"/>
     <dgm:cxn modelId="{4876CF51-F110-4E25-8FD4-08D25B4B0AB8}" srcId="{D05E1923-5021-40F7-B4EF-E582E23A699D}" destId="{579089A8-5362-4BA4-9163-D19228C1808F}" srcOrd="0" destOrd="0" parTransId="{FB2DEB6E-B29F-4E51-960A-23ECC62EBF38}" sibTransId="{1C5328B1-AC18-4CF7-A034-BB0592F4A2A1}"/>
+    <dgm:cxn modelId="{66B49C6C-FAFD-47B4-BF22-05A295C23D4E}" srcId="{05A24E01-5535-46B9-A9A1-A9A07E639A88}" destId="{8BAB5E6F-A65E-41DB-A296-0818B0E49F7C}" srcOrd="3" destOrd="0" parTransId="{886842C6-3EFC-4BE7-B417-415595758830}" sibTransId="{B407F4C3-8FC9-4E91-A0EC-6B33713CC9A5}"/>
     <dgm:cxn modelId="{2617C475-F537-46A6-ADE1-4EB764853601}" srcId="{8BAB5E6F-A65E-41DB-A296-0818B0E49F7C}" destId="{332BC85C-1CF3-4F8F-ACB7-5B6D53744AE1}" srcOrd="0" destOrd="0" parTransId="{99F218FD-90FE-450E-A368-B3E3677E74E8}" sibTransId="{8D1CC686-B05C-4470-A959-236CC9C8BB70}"/>
     <dgm:cxn modelId="{B9F0B583-D02F-4EF4-83A8-DFD7B32B9433}" type="presOf" srcId="{9A875394-CA1E-4432-AEEB-9054FCFF5E0E}" destId="{D2143A46-815A-49BF-9455-C0385022444F}" srcOrd="0" destOrd="0" presId="urn:microsoft.com/office/officeart/2017/3/layout/DropPinTimeline"/>
     <dgm:cxn modelId="{DF6168D4-4FC3-42E4-8DAA-85BA8A678933}" type="presOf" srcId="{332BC85C-1CF3-4F8F-ACB7-5B6D53744AE1}" destId="{08CB2D5A-F46A-4E0E-9575-15F31D04AAC6}" srcOrd="0" destOrd="0" presId="urn:microsoft.com/office/officeart/2017/3/layout/DropPinTimeline"/>
@@ -3956,7 +3956,7 @@
 </dgm:dataModel>
 </file>
 
-<file path=ppt/diagrams/drawing12.xml><?xml version="1.0" encoding="utf-8"?>
+<file path=ppt/diagrams/drawing1.xml><?xml version="1.0" encoding="utf-8"?>
 <dsp:drawing xmlns:dgm="http://schemas.openxmlformats.org/drawingml/2006/diagram" xmlns:dsp="http://schemas.microsoft.com/office/drawing/2008/diagram" xmlns:a="http://schemas.openxmlformats.org/drawingml/2006/main">
   <dsp:spTree>
     <dsp:nvGrpSpPr>
@@ -6223,7 +6223,7 @@
 </dsp:drawing>
 </file>
 
-<file path=ppt/diagrams/layout12.xml><?xml version="1.0" encoding="utf-8"?>
+<file path=ppt/diagrams/layout1.xml><?xml version="1.0" encoding="utf-8"?>
 <dgm:layoutDef xmlns:dgm="http://schemas.openxmlformats.org/drawingml/2006/diagram" xmlns:a="http://schemas.openxmlformats.org/drawingml/2006/main" uniqueId="urn:microsoft.com/office/officeart/2005/8/layout/hList7">
   <dgm:title val=""/>
   <dgm:desc val=""/>
@@ -6418,7 +6418,7 @@
 </dgm:layoutDef>
 </file>
 
-<file path=ppt/diagrams/layout21.xml><?xml version="1.0" encoding="utf-8"?>
+<file path=ppt/diagrams/layout2.xml><?xml version="1.0" encoding="utf-8"?>
 <dgm:layoutDef xmlns:dgm="http://schemas.openxmlformats.org/drawingml/2006/diagram" xmlns:a="http://schemas.openxmlformats.org/drawingml/2006/main" uniqueId="urn:microsoft.com/office/officeart/2017/3/layout/DropPinTimeline">
   <dgm:title val="Drop Pin Timeline"/>
   <dgm:desc val="Use to show a list of events in chronological order. An invisible box next to the pin contains the date and the description is immediately below. It can display a medium amount of text and medium length date format."/>
@@ -7225,7 +7225,7 @@
 </dgm:layoutDef>
 </file>
 
-<file path=ppt/diagrams/quickStyle12.xml><?xml version="1.0" encoding="utf-8"?>
+<file path=ppt/diagrams/quickStyle1.xml><?xml version="1.0" encoding="utf-8"?>
 <dgm:styleDef xmlns:dgm="http://schemas.openxmlformats.org/drawingml/2006/diagram" xmlns:a="http://schemas.openxmlformats.org/drawingml/2006/main" uniqueId="urn:microsoft.com/office/officeart/2005/8/quickstyle/simple1">
   <dgm:title val=""/>
   <dgm:desc val=""/>
@@ -8259,7 +8259,7 @@
 </dgm:styleDef>
 </file>
 
-<file path=ppt/diagrams/quickStyle21.xml><?xml version="1.0" encoding="utf-8"?>
+<file path=ppt/diagrams/quickStyle2.xml><?xml version="1.0" encoding="utf-8"?>
 <dgm:styleDef xmlns:dgm="http://schemas.openxmlformats.org/drawingml/2006/diagram" xmlns:a="http://schemas.openxmlformats.org/drawingml/2006/main" uniqueId="urn:microsoft.com/office/officeart/2005/8/quickstyle/simple1">
   <dgm:title val=""/>
   <dgm:desc val=""/>
@@ -9293,7 +9293,7 @@
 </dgm:styleDef>
 </file>
 
-<file path=ppt/notesMasters/notesMaster11.xml><?xml version="1.0" encoding="utf-8"?>
+<file path=ppt/notesMasters/notesMaster1.xml><?xml version="1.0" encoding="utf-8"?>
 <p:notesMaster xmlns:a="http://schemas.openxmlformats.org/drawingml/2006/main" xmlns:r="http://schemas.openxmlformats.org/officeDocument/2006/relationships" xmlns:p="http://schemas.openxmlformats.org/presentationml/2006/main">
   <p:cSld>
     <p:bg>
@@ -9375,7 +9375,7 @@
           <a:p>
             <a:fld id="{7487ADD9-2083-264C-A652-8D52D02F7E72}" type="datetimeFigureOut">
               <a:rPr lang="en-US" smtClean="0"/>
-              <a:t>9/12/2021</a:t>
+              <a:t>7/31/23</a:t>
             </a:fld>
             <a:endParaRPr lang="en-US" dirty="0"/>
           </a:p>
@@ -9642,7 +9642,973 @@
 </p:notesMaster>
 </file>
 
-<file path=ppt/slideLayouts/slideLayout1011.xml><?xml version="1.0" encoding="utf-8"?>
+<file path=ppt/slideLayouts/slideLayout1.xml><?xml version="1.0" encoding="utf-8"?>
+<p:sldLayout xmlns:a="http://schemas.openxmlformats.org/drawingml/2006/main" xmlns:r="http://schemas.openxmlformats.org/officeDocument/2006/relationships" xmlns:p="http://schemas.openxmlformats.org/presentationml/2006/main" type="title" preserve="1">
+  <p:cSld name="Title Slide">
+    <p:spTree>
+      <p:nvGrpSpPr>
+        <p:cNvPr id="1" name=""/>
+        <p:cNvGrpSpPr/>
+        <p:nvPr/>
+      </p:nvGrpSpPr>
+      <p:grpSpPr>
+        <a:xfrm>
+          <a:off x="0" y="0"/>
+          <a:ext cx="0" cy="0"/>
+          <a:chOff x="0" y="0"/>
+          <a:chExt cx="0" cy="0"/>
+        </a:xfrm>
+      </p:grpSpPr>
+      <p:sp>
+        <p:nvSpPr>
+          <p:cNvPr id="2" name="Title 1">
+            <a:extLst>
+              <a:ext uri="{FF2B5EF4-FFF2-40B4-BE49-F238E27FC236}">
+                <a16:creationId xmlns:a16="http://schemas.microsoft.com/office/drawing/2014/main" id="{494248F2-5264-4601-AA0B-6C092F77F2DD}"/>
+              </a:ext>
+            </a:extLst>
+          </p:cNvPr>
+          <p:cNvSpPr>
+            <a:spLocks noGrp="1"/>
+          </p:cNvSpPr>
+          <p:nvPr>
+            <p:ph type="ctrTitle"/>
+          </p:nvPr>
+        </p:nvSpPr>
+        <p:spPr>
+          <a:xfrm>
+            <a:off x="1167493" y="1122363"/>
+            <a:ext cx="7096933" cy="2387600"/>
+          </a:xfrm>
+        </p:spPr>
+        <p:txBody>
+          <a:bodyPr anchor="b">
+            <a:noAutofit/>
+          </a:bodyPr>
+          <a:lstStyle>
+            <a:lvl1pPr algn="l">
+              <a:defRPr sz="4800" b="1">
+                <a:latin typeface="+mj-lt"/>
+              </a:defRPr>
+            </a:lvl1pPr>
+          </a:lstStyle>
+          <a:p>
+            <a:r>
+              <a:rPr lang="en-US" dirty="0"/>
+              <a:t>Click to edit Master title style</a:t>
+            </a:r>
+          </a:p>
+        </p:txBody>
+      </p:sp>
+      <p:sp>
+        <p:nvSpPr>
+          <p:cNvPr id="3" name="Subtitle 2">
+            <a:extLst>
+              <a:ext uri="{FF2B5EF4-FFF2-40B4-BE49-F238E27FC236}">
+                <a16:creationId xmlns:a16="http://schemas.microsoft.com/office/drawing/2014/main" id="{DCFB69D3-5632-4285-A209-9DCA67DA668C}"/>
+              </a:ext>
+            </a:extLst>
+          </p:cNvPr>
+          <p:cNvSpPr>
+            <a:spLocks noGrp="1"/>
+          </p:cNvSpPr>
+          <p:nvPr>
+            <p:ph type="subTitle" idx="1"/>
+          </p:nvPr>
+        </p:nvSpPr>
+        <p:spPr>
+          <a:xfrm>
+            <a:off x="1167493" y="3602038"/>
+            <a:ext cx="9500507" cy="806675"/>
+          </a:xfrm>
+        </p:spPr>
+        <p:txBody>
+          <a:bodyPr>
+            <a:noAutofit/>
+          </a:bodyPr>
+          <a:lstStyle>
+            <a:lvl1pPr marL="0" indent="0" algn="l">
+              <a:buNone/>
+              <a:defRPr sz="3200">
+                <a:latin typeface="+mn-lt"/>
+              </a:defRPr>
+            </a:lvl1pPr>
+            <a:lvl2pPr marL="457200" indent="0" algn="ctr">
+              <a:buNone/>
+              <a:defRPr sz="2000"/>
+            </a:lvl2pPr>
+            <a:lvl3pPr marL="914400" indent="0" algn="ctr">
+              <a:buNone/>
+              <a:defRPr sz="1800"/>
+            </a:lvl3pPr>
+            <a:lvl4pPr marL="1371600" indent="0" algn="ctr">
+              <a:buNone/>
+              <a:defRPr sz="1600"/>
+            </a:lvl4pPr>
+            <a:lvl5pPr marL="1828800" indent="0" algn="ctr">
+              <a:buNone/>
+              <a:defRPr sz="1600"/>
+            </a:lvl5pPr>
+            <a:lvl6pPr marL="2286000" indent="0" algn="ctr">
+              <a:buNone/>
+              <a:defRPr sz="1600"/>
+            </a:lvl6pPr>
+            <a:lvl7pPr marL="2743200" indent="0" algn="ctr">
+              <a:buNone/>
+              <a:defRPr sz="1600"/>
+            </a:lvl7pPr>
+            <a:lvl8pPr marL="3200400" indent="0" algn="ctr">
+              <a:buNone/>
+              <a:defRPr sz="1600"/>
+            </a:lvl8pPr>
+            <a:lvl9pPr marL="3657600" indent="0" algn="ctr">
+              <a:buNone/>
+              <a:defRPr sz="1600"/>
+            </a:lvl9pPr>
+          </a:lstStyle>
+          <a:p>
+            <a:r>
+              <a:rPr lang="en-US" dirty="0"/>
+              <a:t>Click to edit Master subtitle style</a:t>
+            </a:r>
+          </a:p>
+        </p:txBody>
+      </p:sp>
+      <p:sp>
+        <p:nvSpPr>
+          <p:cNvPr id="4" name="Rectangle 3">
+            <a:extLst>
+              <a:ext uri="{FF2B5EF4-FFF2-40B4-BE49-F238E27FC236}">
+                <a16:creationId xmlns:a16="http://schemas.microsoft.com/office/drawing/2014/main" id="{9AC79249-FDC0-364D-A734-AE1DE1605D28}"/>
+              </a:ext>
+            </a:extLst>
+          </p:cNvPr>
+          <p:cNvSpPr/>
+          <p:nvPr userDrawn="1"/>
+        </p:nvSpPr>
+        <p:spPr>
+          <a:xfrm>
+            <a:off x="0" y="4572000"/>
+            <a:ext cx="12192000" cy="2286000"/>
+          </a:xfrm>
+          <a:prstGeom prst="rect">
+            <a:avLst/>
+          </a:prstGeom>
+          <a:solidFill>
+            <a:schemeClr val="accent2"/>
+          </a:solidFill>
+          <a:ln>
+            <a:noFill/>
+          </a:ln>
+        </p:spPr>
+        <p:style>
+          <a:lnRef idx="2">
+            <a:schemeClr val="accent1">
+              <a:shade val="50000"/>
+            </a:schemeClr>
+          </a:lnRef>
+          <a:fillRef idx="1">
+            <a:schemeClr val="accent1"/>
+          </a:fillRef>
+          <a:effectRef idx="0">
+            <a:schemeClr val="accent1"/>
+          </a:effectRef>
+          <a:fontRef idx="minor">
+            <a:schemeClr val="lt1"/>
+          </a:fontRef>
+        </p:style>
+        <p:txBody>
+          <a:bodyPr rtlCol="0" anchor="ctr"/>
+          <a:lstStyle/>
+          <a:p>
+            <a:pPr algn="ctr"/>
+            <a:endParaRPr lang="en-US" dirty="0"/>
+          </a:p>
+        </p:txBody>
+      </p:sp>
+      <p:sp>
+        <p:nvSpPr>
+          <p:cNvPr id="5" name="Oval 4">
+            <a:extLst>
+              <a:ext uri="{FF2B5EF4-FFF2-40B4-BE49-F238E27FC236}">
+                <a16:creationId xmlns:a16="http://schemas.microsoft.com/office/drawing/2014/main" id="{902465C8-266D-104C-9C49-323DF4A8277E}"/>
+              </a:ext>
+            </a:extLst>
+          </p:cNvPr>
+          <p:cNvSpPr/>
+          <p:nvPr userDrawn="1"/>
+        </p:nvSpPr>
+        <p:spPr>
+          <a:xfrm>
+            <a:off x="583746" y="4960030"/>
+            <a:ext cx="1551214" cy="1551214"/>
+          </a:xfrm>
+          <a:prstGeom prst="ellipse">
+            <a:avLst/>
+          </a:prstGeom>
+          <a:solidFill>
+            <a:schemeClr val="tx2"/>
+          </a:solidFill>
+        </p:spPr>
+        <p:style>
+          <a:lnRef idx="2">
+            <a:schemeClr val="accent1">
+              <a:shade val="50000"/>
+            </a:schemeClr>
+          </a:lnRef>
+          <a:fillRef idx="1">
+            <a:schemeClr val="accent1"/>
+          </a:fillRef>
+          <a:effectRef idx="0">
+            <a:schemeClr val="accent1"/>
+          </a:effectRef>
+          <a:fontRef idx="minor">
+            <a:schemeClr val="lt1"/>
+          </a:fontRef>
+        </p:style>
+        <p:txBody>
+          <a:bodyPr rtlCol="0" anchor="ctr"/>
+          <a:lstStyle/>
+          <a:p>
+            <a:pPr algn="ctr"/>
+            <a:endParaRPr lang="en-US" dirty="0"/>
+          </a:p>
+        </p:txBody>
+      </p:sp>
+      <p:sp>
+        <p:nvSpPr>
+          <p:cNvPr id="11" name="Freeform 10">
+            <a:extLst>
+              <a:ext uri="{FF2B5EF4-FFF2-40B4-BE49-F238E27FC236}">
+                <a16:creationId xmlns:a16="http://schemas.microsoft.com/office/drawing/2014/main" id="{37979A1C-BF60-B345-A664-2E4F7A3461EB}"/>
+              </a:ext>
+            </a:extLst>
+          </p:cNvPr>
+          <p:cNvSpPr/>
+          <p:nvPr userDrawn="1"/>
+        </p:nvSpPr>
+        <p:spPr>
+          <a:xfrm>
+            <a:off x="1" y="4571999"/>
+            <a:ext cx="1118508" cy="1118508"/>
+          </a:xfrm>
+          <a:custGeom>
+            <a:avLst/>
+            <a:gdLst>
+              <a:gd name="connsiteX0" fmla="*/ 0 w 1167493"/>
+              <a:gd name="connsiteY0" fmla="*/ 0 h 1167493"/>
+              <a:gd name="connsiteX1" fmla="*/ 1167493 w 1167493"/>
+              <a:gd name="connsiteY1" fmla="*/ 0 h 1167493"/>
+              <a:gd name="connsiteX2" fmla="*/ 0 w 1167493"/>
+              <a:gd name="connsiteY2" fmla="*/ 1167493 h 1167493"/>
+              <a:gd name="connsiteX3" fmla="*/ 0 w 1167493"/>
+              <a:gd name="connsiteY3" fmla="*/ 0 h 1167493"/>
+            </a:gdLst>
+            <a:ahLst/>
+            <a:cxnLst>
+              <a:cxn ang="0">
+                <a:pos x="connsiteX0" y="connsiteY0"/>
+              </a:cxn>
+              <a:cxn ang="0">
+                <a:pos x="connsiteX1" y="connsiteY1"/>
+              </a:cxn>
+              <a:cxn ang="0">
+                <a:pos x="connsiteX2" y="connsiteY2"/>
+              </a:cxn>
+              <a:cxn ang="0">
+                <a:pos x="connsiteX3" y="connsiteY3"/>
+              </a:cxn>
+            </a:cxnLst>
+            <a:rect l="l" t="t" r="r" b="b"/>
+            <a:pathLst>
+              <a:path w="1167493" h="1167493">
+                <a:moveTo>
+                  <a:pt x="0" y="0"/>
+                </a:moveTo>
+                <a:lnTo>
+                  <a:pt x="1167493" y="0"/>
+                </a:lnTo>
+                <a:cubicBezTo>
+                  <a:pt x="522704" y="0"/>
+                  <a:pt x="0" y="522704"/>
+                  <a:pt x="0" y="1167493"/>
+                </a:cubicBezTo>
+                <a:lnTo>
+                  <a:pt x="0" y="0"/>
+                </a:lnTo>
+                <a:close/>
+              </a:path>
+            </a:pathLst>
+          </a:custGeom>
+          <a:solidFill>
+            <a:schemeClr val="accent1"/>
+          </a:solidFill>
+          <a:ln>
+            <a:noFill/>
+          </a:ln>
+        </p:spPr>
+        <p:style>
+          <a:lnRef idx="2">
+            <a:schemeClr val="accent1">
+              <a:shade val="50000"/>
+            </a:schemeClr>
+          </a:lnRef>
+          <a:fillRef idx="1">
+            <a:schemeClr val="accent1"/>
+          </a:fillRef>
+          <a:effectRef idx="0">
+            <a:schemeClr val="accent1"/>
+          </a:effectRef>
+          <a:fontRef idx="minor">
+            <a:schemeClr val="lt1"/>
+          </a:fontRef>
+        </p:style>
+        <p:txBody>
+          <a:bodyPr wrap="square" rtlCol="0" anchor="ctr">
+            <a:noAutofit/>
+          </a:bodyPr>
+          <a:lstStyle/>
+          <a:p>
+            <a:pPr algn="ctr"/>
+            <a:endParaRPr lang="en-US" dirty="0"/>
+          </a:p>
+        </p:txBody>
+      </p:sp>
+      <p:sp>
+        <p:nvSpPr>
+          <p:cNvPr id="9" name="Freeform 8">
+            <a:extLst>
+              <a:ext uri="{FF2B5EF4-FFF2-40B4-BE49-F238E27FC236}">
+                <a16:creationId xmlns:a16="http://schemas.microsoft.com/office/drawing/2014/main" id="{58080B3E-915C-2D4C-8608-596E1BFD6387}"/>
+              </a:ext>
+            </a:extLst>
+          </p:cNvPr>
+          <p:cNvSpPr/>
+          <p:nvPr userDrawn="1"/>
+        </p:nvSpPr>
+        <p:spPr>
+          <a:xfrm>
+            <a:off x="1" y="5739492"/>
+            <a:ext cx="1118508" cy="1118508"/>
+          </a:xfrm>
+          <a:custGeom>
+            <a:avLst/>
+            <a:gdLst>
+              <a:gd name="connsiteX0" fmla="*/ 0 w 1167493"/>
+              <a:gd name="connsiteY0" fmla="*/ 0 h 1167493"/>
+              <a:gd name="connsiteX1" fmla="*/ 1167493 w 1167493"/>
+              <a:gd name="connsiteY1" fmla="*/ 1167493 h 1167493"/>
+              <a:gd name="connsiteX2" fmla="*/ 0 w 1167493"/>
+              <a:gd name="connsiteY2" fmla="*/ 1167493 h 1167493"/>
+              <a:gd name="connsiteX3" fmla="*/ 0 w 1167493"/>
+              <a:gd name="connsiteY3" fmla="*/ 0 h 1167493"/>
+            </a:gdLst>
+            <a:ahLst/>
+            <a:cxnLst>
+              <a:cxn ang="0">
+                <a:pos x="connsiteX0" y="connsiteY0"/>
+              </a:cxn>
+              <a:cxn ang="0">
+                <a:pos x="connsiteX1" y="connsiteY1"/>
+              </a:cxn>
+              <a:cxn ang="0">
+                <a:pos x="connsiteX2" y="connsiteY2"/>
+              </a:cxn>
+              <a:cxn ang="0">
+                <a:pos x="connsiteX3" y="connsiteY3"/>
+              </a:cxn>
+            </a:cxnLst>
+            <a:rect l="l" t="t" r="r" b="b"/>
+            <a:pathLst>
+              <a:path w="1167493" h="1167493">
+                <a:moveTo>
+                  <a:pt x="0" y="0"/>
+                </a:moveTo>
+                <a:cubicBezTo>
+                  <a:pt x="0" y="644789"/>
+                  <a:pt x="522704" y="1167493"/>
+                  <a:pt x="1167493" y="1167493"/>
+                </a:cubicBezTo>
+                <a:lnTo>
+                  <a:pt x="0" y="1167493"/>
+                </a:lnTo>
+                <a:lnTo>
+                  <a:pt x="0" y="0"/>
+                </a:lnTo>
+                <a:close/>
+              </a:path>
+            </a:pathLst>
+          </a:custGeom>
+          <a:solidFill>
+            <a:schemeClr val="accent1"/>
+          </a:solidFill>
+          <a:ln>
+            <a:noFill/>
+          </a:ln>
+        </p:spPr>
+        <p:style>
+          <a:lnRef idx="2">
+            <a:schemeClr val="accent1">
+              <a:shade val="50000"/>
+            </a:schemeClr>
+          </a:lnRef>
+          <a:fillRef idx="1">
+            <a:schemeClr val="accent1"/>
+          </a:fillRef>
+          <a:effectRef idx="0">
+            <a:schemeClr val="accent1"/>
+          </a:effectRef>
+          <a:fontRef idx="minor">
+            <a:schemeClr val="lt1"/>
+          </a:fontRef>
+        </p:style>
+        <p:txBody>
+          <a:bodyPr wrap="square" rtlCol="0" anchor="ctr">
+            <a:noAutofit/>
+          </a:bodyPr>
+          <a:lstStyle/>
+          <a:p>
+            <a:pPr algn="ctr"/>
+            <a:endParaRPr lang="en-US" dirty="0"/>
+          </a:p>
+        </p:txBody>
+      </p:sp>
+      <p:grpSp>
+        <p:nvGrpSpPr>
+          <p:cNvPr id="6" name="Group 5">
+            <a:extLst>
+              <a:ext uri="{FF2B5EF4-FFF2-40B4-BE49-F238E27FC236}">
+                <a16:creationId xmlns:a16="http://schemas.microsoft.com/office/drawing/2014/main" id="{F15FBB50-09C8-B64E-AE57-67C5E70810CB}"/>
+              </a:ext>
+            </a:extLst>
+          </p:cNvPr>
+          <p:cNvGrpSpPr/>
+          <p:nvPr userDrawn="1"/>
+        </p:nvGrpSpPr>
+        <p:grpSpPr>
+          <a:xfrm>
+            <a:off x="8264427" y="-3419"/>
+            <a:ext cx="3927573" cy="3165022"/>
+            <a:chOff x="9857014" y="13834"/>
+            <a:chExt cx="2334986" cy="1881641"/>
+          </a:xfrm>
+        </p:grpSpPr>
+        <p:sp>
+          <p:nvSpPr>
+            <p:cNvPr id="15" name="Freeform 14">
+              <a:extLst>
+                <a:ext uri="{FF2B5EF4-FFF2-40B4-BE49-F238E27FC236}">
+                  <a16:creationId xmlns:a16="http://schemas.microsoft.com/office/drawing/2014/main" id="{EFBF1E52-11FA-DC48-B7AD-75734232FFE8}"/>
+                </a:ext>
+              </a:extLst>
+            </p:cNvPr>
+            <p:cNvSpPr/>
+            <p:nvPr userDrawn="1"/>
+          </p:nvSpPr>
+          <p:spPr>
+            <a:xfrm rot="5400000" flipH="1" flipV="1">
+              <a:off x="10667433" y="370908"/>
+              <a:ext cx="1881641" cy="1167493"/>
+            </a:xfrm>
+            <a:custGeom>
+              <a:avLst/>
+              <a:gdLst>
+                <a:gd name="connsiteX0" fmla="*/ 1881641 w 1881641"/>
+                <a:gd name="connsiteY0" fmla="*/ 1167473 h 1167493"/>
+                <a:gd name="connsiteX1" fmla="*/ 1881641 w 1881641"/>
+                <a:gd name="connsiteY1" fmla="*/ 1167493 h 1167493"/>
+                <a:gd name="connsiteX2" fmla="*/ 1167493 w 1881641"/>
+                <a:gd name="connsiteY2" fmla="*/ 1167493 h 1167493"/>
+                <a:gd name="connsiteX3" fmla="*/ 0 w 1881641"/>
+                <a:gd name="connsiteY3" fmla="*/ 0 h 1167493"/>
+                <a:gd name="connsiteX4" fmla="*/ 714149 w 1881641"/>
+                <a:gd name="connsiteY4" fmla="*/ 0 h 1167493"/>
+                <a:gd name="connsiteX5" fmla="*/ 1875614 w 1881641"/>
+                <a:gd name="connsiteY5" fmla="*/ 1048124 h 1167493"/>
+                <a:gd name="connsiteX6" fmla="*/ 1881641 w 1881641"/>
+                <a:gd name="connsiteY6" fmla="*/ 1167473 h 1167493"/>
+              </a:gdLst>
+              <a:ahLst/>
+              <a:cxnLst>
+                <a:cxn ang="0">
+                  <a:pos x="connsiteX0" y="connsiteY0"/>
+                </a:cxn>
+                <a:cxn ang="0">
+                  <a:pos x="connsiteX1" y="connsiteY1"/>
+                </a:cxn>
+                <a:cxn ang="0">
+                  <a:pos x="connsiteX2" y="connsiteY2"/>
+                </a:cxn>
+                <a:cxn ang="0">
+                  <a:pos x="connsiteX3" y="connsiteY3"/>
+                </a:cxn>
+                <a:cxn ang="0">
+                  <a:pos x="connsiteX4" y="connsiteY4"/>
+                </a:cxn>
+                <a:cxn ang="0">
+                  <a:pos x="connsiteX5" y="connsiteY5"/>
+                </a:cxn>
+                <a:cxn ang="0">
+                  <a:pos x="connsiteX6" y="connsiteY6"/>
+                </a:cxn>
+              </a:cxnLst>
+              <a:rect l="l" t="t" r="r" b="b"/>
+              <a:pathLst>
+                <a:path w="1881641" h="1167493">
+                  <a:moveTo>
+                    <a:pt x="1881641" y="1167473"/>
+                  </a:moveTo>
+                  <a:lnTo>
+                    <a:pt x="1881641" y="1167493"/>
+                  </a:lnTo>
+                  <a:lnTo>
+                    <a:pt x="1167493" y="1167493"/>
+                  </a:lnTo>
+                  <a:cubicBezTo>
+                    <a:pt x="522704" y="1167493"/>
+                    <a:pt x="0" y="644789"/>
+                    <a:pt x="0" y="0"/>
+                  </a:cubicBezTo>
+                  <a:lnTo>
+                    <a:pt x="714149" y="0"/>
+                  </a:lnTo>
+                  <a:cubicBezTo>
+                    <a:pt x="1318639" y="0"/>
+                    <a:pt x="1815827" y="459408"/>
+                    <a:pt x="1875614" y="1048124"/>
+                  </a:cubicBezTo>
+                  <a:lnTo>
+                    <a:pt x="1881641" y="1167473"/>
+                  </a:lnTo>
+                  <a:close/>
+                </a:path>
+              </a:pathLst>
+            </a:custGeom>
+            <a:solidFill>
+              <a:schemeClr val="accent1"/>
+            </a:solidFill>
+            <a:ln>
+              <a:noFill/>
+            </a:ln>
+          </p:spPr>
+          <p:style>
+            <a:lnRef idx="2">
+              <a:schemeClr val="accent1">
+                <a:shade val="50000"/>
+              </a:schemeClr>
+            </a:lnRef>
+            <a:fillRef idx="1">
+              <a:schemeClr val="accent1"/>
+            </a:fillRef>
+            <a:effectRef idx="0">
+              <a:schemeClr val="accent1"/>
+            </a:effectRef>
+            <a:fontRef idx="minor">
+              <a:schemeClr val="lt1"/>
+            </a:fontRef>
+          </p:style>
+          <p:txBody>
+            <a:bodyPr wrap="square" rtlCol="0" anchor="ctr">
+              <a:noAutofit/>
+            </a:bodyPr>
+            <a:lstStyle/>
+            <a:p>
+              <a:pPr algn="ctr"/>
+              <a:endParaRPr lang="en-US" dirty="0"/>
+            </a:p>
+          </p:txBody>
+        </p:sp>
+        <p:sp>
+          <p:nvSpPr>
+            <p:cNvPr id="16" name="Freeform 15">
+              <a:extLst>
+                <a:ext uri="{FF2B5EF4-FFF2-40B4-BE49-F238E27FC236}">
+                  <a16:creationId xmlns:a16="http://schemas.microsoft.com/office/drawing/2014/main" id="{4850B620-49F5-3748-84AF-682555D52792}"/>
+                </a:ext>
+              </a:extLst>
+            </p:cNvPr>
+            <p:cNvSpPr/>
+            <p:nvPr userDrawn="1"/>
+          </p:nvSpPr>
+          <p:spPr>
+            <a:xfrm rot="16200000" flipV="1">
+              <a:off x="9499940" y="370908"/>
+              <a:ext cx="1881641" cy="1167493"/>
+            </a:xfrm>
+            <a:custGeom>
+              <a:avLst/>
+              <a:gdLst>
+                <a:gd name="connsiteX0" fmla="*/ 1881641 w 1881641"/>
+                <a:gd name="connsiteY0" fmla="*/ 1167473 h 1167493"/>
+                <a:gd name="connsiteX1" fmla="*/ 1881641 w 1881641"/>
+                <a:gd name="connsiteY1" fmla="*/ 1167493 h 1167493"/>
+                <a:gd name="connsiteX2" fmla="*/ 1167493 w 1881641"/>
+                <a:gd name="connsiteY2" fmla="*/ 1167493 h 1167493"/>
+                <a:gd name="connsiteX3" fmla="*/ 0 w 1881641"/>
+                <a:gd name="connsiteY3" fmla="*/ 0 h 1167493"/>
+                <a:gd name="connsiteX4" fmla="*/ 714149 w 1881641"/>
+                <a:gd name="connsiteY4" fmla="*/ 0 h 1167493"/>
+                <a:gd name="connsiteX5" fmla="*/ 1875614 w 1881641"/>
+                <a:gd name="connsiteY5" fmla="*/ 1048124 h 1167493"/>
+                <a:gd name="connsiteX6" fmla="*/ 1881641 w 1881641"/>
+                <a:gd name="connsiteY6" fmla="*/ 1167473 h 1167493"/>
+              </a:gdLst>
+              <a:ahLst/>
+              <a:cxnLst>
+                <a:cxn ang="0">
+                  <a:pos x="connsiteX0" y="connsiteY0"/>
+                </a:cxn>
+                <a:cxn ang="0">
+                  <a:pos x="connsiteX1" y="connsiteY1"/>
+                </a:cxn>
+                <a:cxn ang="0">
+                  <a:pos x="connsiteX2" y="connsiteY2"/>
+                </a:cxn>
+                <a:cxn ang="0">
+                  <a:pos x="connsiteX3" y="connsiteY3"/>
+                </a:cxn>
+                <a:cxn ang="0">
+                  <a:pos x="connsiteX4" y="connsiteY4"/>
+                </a:cxn>
+                <a:cxn ang="0">
+                  <a:pos x="connsiteX5" y="connsiteY5"/>
+                </a:cxn>
+                <a:cxn ang="0">
+                  <a:pos x="connsiteX6" y="connsiteY6"/>
+                </a:cxn>
+              </a:cxnLst>
+              <a:rect l="l" t="t" r="r" b="b"/>
+              <a:pathLst>
+                <a:path w="1881641" h="1167493">
+                  <a:moveTo>
+                    <a:pt x="1881641" y="1167473"/>
+                  </a:moveTo>
+                  <a:lnTo>
+                    <a:pt x="1881641" y="1167493"/>
+                  </a:lnTo>
+                  <a:lnTo>
+                    <a:pt x="1167493" y="1167493"/>
+                  </a:lnTo>
+                  <a:cubicBezTo>
+                    <a:pt x="522704" y="1167493"/>
+                    <a:pt x="0" y="644789"/>
+                    <a:pt x="0" y="0"/>
+                  </a:cubicBezTo>
+                  <a:lnTo>
+                    <a:pt x="714149" y="0"/>
+                  </a:lnTo>
+                  <a:cubicBezTo>
+                    <a:pt x="1318639" y="0"/>
+                    <a:pt x="1815827" y="459408"/>
+                    <a:pt x="1875614" y="1048124"/>
+                  </a:cubicBezTo>
+                  <a:lnTo>
+                    <a:pt x="1881641" y="1167473"/>
+                  </a:lnTo>
+                  <a:close/>
+                </a:path>
+              </a:pathLst>
+            </a:custGeom>
+            <a:solidFill>
+              <a:schemeClr val="tx2"/>
+            </a:solidFill>
+            <a:ln>
+              <a:noFill/>
+            </a:ln>
+          </p:spPr>
+          <p:style>
+            <a:lnRef idx="2">
+              <a:schemeClr val="accent1">
+                <a:shade val="50000"/>
+              </a:schemeClr>
+            </a:lnRef>
+            <a:fillRef idx="1">
+              <a:schemeClr val="accent1"/>
+            </a:fillRef>
+            <a:effectRef idx="0">
+              <a:schemeClr val="accent1"/>
+            </a:effectRef>
+            <a:fontRef idx="minor">
+              <a:schemeClr val="lt1"/>
+            </a:fontRef>
+          </p:style>
+          <p:txBody>
+            <a:bodyPr wrap="square" rtlCol="0" anchor="ctr">
+              <a:noAutofit/>
+            </a:bodyPr>
+            <a:lstStyle/>
+            <a:p>
+              <a:pPr algn="ctr"/>
+              <a:endParaRPr lang="en-US" dirty="0"/>
+            </a:p>
+          </p:txBody>
+        </p:sp>
+      </p:grpSp>
+      <p:sp>
+        <p:nvSpPr>
+          <p:cNvPr id="22" name="Freeform 21">
+            <a:extLst>
+              <a:ext uri="{FF2B5EF4-FFF2-40B4-BE49-F238E27FC236}">
+                <a16:creationId xmlns:a16="http://schemas.microsoft.com/office/drawing/2014/main" id="{BC68F289-2744-2F48-893A-3F17911625C8}"/>
+              </a:ext>
+            </a:extLst>
+          </p:cNvPr>
+          <p:cNvSpPr/>
+          <p:nvPr userDrawn="1"/>
+        </p:nvSpPr>
+        <p:spPr>
+          <a:xfrm>
+            <a:off x="0" y="-1"/>
+            <a:ext cx="1167493" cy="1167493"/>
+          </a:xfrm>
+          <a:custGeom>
+            <a:avLst/>
+            <a:gdLst>
+              <a:gd name="connsiteX0" fmla="*/ 0 w 862693"/>
+              <a:gd name="connsiteY0" fmla="*/ 0 h 862693"/>
+              <a:gd name="connsiteX1" fmla="*/ 862693 w 862693"/>
+              <a:gd name="connsiteY1" fmla="*/ 0 h 862693"/>
+              <a:gd name="connsiteX2" fmla="*/ 0 w 862693"/>
+              <a:gd name="connsiteY2" fmla="*/ 862693 h 862693"/>
+              <a:gd name="connsiteX3" fmla="*/ 0 w 862693"/>
+              <a:gd name="connsiteY3" fmla="*/ 0 h 862693"/>
+            </a:gdLst>
+            <a:ahLst/>
+            <a:cxnLst>
+              <a:cxn ang="0">
+                <a:pos x="connsiteX0" y="connsiteY0"/>
+              </a:cxn>
+              <a:cxn ang="0">
+                <a:pos x="connsiteX1" y="connsiteY1"/>
+              </a:cxn>
+              <a:cxn ang="0">
+                <a:pos x="connsiteX2" y="connsiteY2"/>
+              </a:cxn>
+              <a:cxn ang="0">
+                <a:pos x="connsiteX3" y="connsiteY3"/>
+              </a:cxn>
+            </a:cxnLst>
+            <a:rect l="l" t="t" r="r" b="b"/>
+            <a:pathLst>
+              <a:path w="862693" h="862693">
+                <a:moveTo>
+                  <a:pt x="0" y="0"/>
+                </a:moveTo>
+                <a:lnTo>
+                  <a:pt x="862693" y="0"/>
+                </a:lnTo>
+                <a:cubicBezTo>
+                  <a:pt x="862693" y="476453"/>
+                  <a:pt x="476452" y="862693"/>
+                  <a:pt x="0" y="862693"/>
+                </a:cubicBezTo>
+                <a:lnTo>
+                  <a:pt x="0" y="0"/>
+                </a:lnTo>
+                <a:close/>
+              </a:path>
+            </a:pathLst>
+          </a:custGeom>
+          <a:solidFill>
+            <a:schemeClr val="accent3"/>
+          </a:solidFill>
+          <a:ln>
+            <a:noFill/>
+          </a:ln>
+        </p:spPr>
+        <p:style>
+          <a:lnRef idx="2">
+            <a:schemeClr val="accent1">
+              <a:shade val="50000"/>
+            </a:schemeClr>
+          </a:lnRef>
+          <a:fillRef idx="1">
+            <a:schemeClr val="accent1"/>
+          </a:fillRef>
+          <a:effectRef idx="0">
+            <a:schemeClr val="accent1"/>
+          </a:effectRef>
+          <a:fontRef idx="minor">
+            <a:schemeClr val="lt1"/>
+          </a:fontRef>
+        </p:style>
+        <p:txBody>
+          <a:bodyPr wrap="square" rtlCol="0" anchor="ctr">
+            <a:noAutofit/>
+          </a:bodyPr>
+          <a:lstStyle/>
+          <a:p>
+            <a:pPr algn="ctr"/>
+            <a:endParaRPr lang="en-US" dirty="0"/>
+          </a:p>
+        </p:txBody>
+      </p:sp>
+      <p:sp>
+        <p:nvSpPr>
+          <p:cNvPr id="28" name="Freeform 27">
+            <a:extLst>
+              <a:ext uri="{FF2B5EF4-FFF2-40B4-BE49-F238E27FC236}">
+                <a16:creationId xmlns:a16="http://schemas.microsoft.com/office/drawing/2014/main" id="{9E240E8A-950E-7946-826C-415CB5DACA43}"/>
+              </a:ext>
+            </a:extLst>
+          </p:cNvPr>
+          <p:cNvSpPr/>
+          <p:nvPr userDrawn="1"/>
+        </p:nvSpPr>
+        <p:spPr>
+          <a:xfrm>
+            <a:off x="11024507" y="4580708"/>
+            <a:ext cx="1167493" cy="2277292"/>
+          </a:xfrm>
+          <a:custGeom>
+            <a:avLst/>
+            <a:gdLst>
+              <a:gd name="connsiteX0" fmla="*/ 1167473 w 1167493"/>
+              <a:gd name="connsiteY0" fmla="*/ 0 h 2272167"/>
+              <a:gd name="connsiteX1" fmla="*/ 1167493 w 1167493"/>
+              <a:gd name="connsiteY1" fmla="*/ 0 h 2272167"/>
+              <a:gd name="connsiteX2" fmla="*/ 1167493 w 1167493"/>
+              <a:gd name="connsiteY2" fmla="*/ 492960 h 2272167"/>
+              <a:gd name="connsiteX3" fmla="*/ 1167493 w 1167493"/>
+              <a:gd name="connsiteY3" fmla="*/ 720385 h 2272167"/>
+              <a:gd name="connsiteX4" fmla="*/ 1167493 w 1167493"/>
+              <a:gd name="connsiteY4" fmla="*/ 2272167 h 2272167"/>
+              <a:gd name="connsiteX5" fmla="*/ 0 w 1167493"/>
+              <a:gd name="connsiteY5" fmla="*/ 2272167 h 2272167"/>
+              <a:gd name="connsiteX6" fmla="*/ 0 w 1167493"/>
+              <a:gd name="connsiteY6" fmla="*/ 1898074 h 2272167"/>
+              <a:gd name="connsiteX7" fmla="*/ 0 w 1167493"/>
+              <a:gd name="connsiteY7" fmla="*/ 1271597 h 2272167"/>
+              <a:gd name="connsiteX8" fmla="*/ 0 w 1167493"/>
+              <a:gd name="connsiteY8" fmla="*/ 1177688 h 2272167"/>
+              <a:gd name="connsiteX9" fmla="*/ 1048124 w 1167493"/>
+              <a:gd name="connsiteY9" fmla="*/ 6080 h 2272167"/>
+              <a:gd name="connsiteX10" fmla="*/ 1167473 w 1167493"/>
+              <a:gd name="connsiteY10" fmla="*/ 0 h 2272167"/>
+            </a:gdLst>
+            <a:ahLst/>
+            <a:cxnLst>
+              <a:cxn ang="0">
+                <a:pos x="connsiteX0" y="connsiteY0"/>
+              </a:cxn>
+              <a:cxn ang="0">
+                <a:pos x="connsiteX1" y="connsiteY1"/>
+              </a:cxn>
+              <a:cxn ang="0">
+                <a:pos x="connsiteX2" y="connsiteY2"/>
+              </a:cxn>
+              <a:cxn ang="0">
+                <a:pos x="connsiteX3" y="connsiteY3"/>
+              </a:cxn>
+              <a:cxn ang="0">
+                <a:pos x="connsiteX4" y="connsiteY4"/>
+              </a:cxn>
+              <a:cxn ang="0">
+                <a:pos x="connsiteX5" y="connsiteY5"/>
+              </a:cxn>
+              <a:cxn ang="0">
+                <a:pos x="connsiteX6" y="connsiteY6"/>
+              </a:cxn>
+              <a:cxn ang="0">
+                <a:pos x="connsiteX7" y="connsiteY7"/>
+              </a:cxn>
+              <a:cxn ang="0">
+                <a:pos x="connsiteX8" y="connsiteY8"/>
+              </a:cxn>
+              <a:cxn ang="0">
+                <a:pos x="connsiteX9" y="connsiteY9"/>
+              </a:cxn>
+              <a:cxn ang="0">
+                <a:pos x="connsiteX10" y="connsiteY10"/>
+              </a:cxn>
+            </a:cxnLst>
+            <a:rect l="l" t="t" r="r" b="b"/>
+            <a:pathLst>
+              <a:path w="1167493" h="2272167">
+                <a:moveTo>
+                  <a:pt x="1167473" y="0"/>
+                </a:moveTo>
+                <a:lnTo>
+                  <a:pt x="1167493" y="0"/>
+                </a:lnTo>
+                <a:lnTo>
+                  <a:pt x="1167493" y="492960"/>
+                </a:lnTo>
+                <a:lnTo>
+                  <a:pt x="1167493" y="720385"/>
+                </a:lnTo>
+                <a:lnTo>
+                  <a:pt x="1167493" y="2272167"/>
+                </a:lnTo>
+                <a:lnTo>
+                  <a:pt x="0" y="2272167"/>
+                </a:lnTo>
+                <a:lnTo>
+                  <a:pt x="0" y="1898074"/>
+                </a:lnTo>
+                <a:lnTo>
+                  <a:pt x="0" y="1271597"/>
+                </a:lnTo>
+                <a:lnTo>
+                  <a:pt x="0" y="1177688"/>
+                </a:lnTo>
+                <a:cubicBezTo>
+                  <a:pt x="0" y="567919"/>
+                  <a:pt x="459408" y="66389"/>
+                  <a:pt x="1048124" y="6080"/>
+                </a:cubicBezTo>
+                <a:lnTo>
+                  <a:pt x="1167473" y="0"/>
+                </a:lnTo>
+                <a:close/>
+              </a:path>
+            </a:pathLst>
+          </a:custGeom>
+          <a:ln>
+            <a:noFill/>
+          </a:ln>
+        </p:spPr>
+        <p:style>
+          <a:lnRef idx="2">
+            <a:schemeClr val="accent1">
+              <a:shade val="50000"/>
+            </a:schemeClr>
+          </a:lnRef>
+          <a:fillRef idx="1">
+            <a:schemeClr val="accent1"/>
+          </a:fillRef>
+          <a:effectRef idx="0">
+            <a:schemeClr val="accent1"/>
+          </a:effectRef>
+          <a:fontRef idx="minor">
+            <a:schemeClr val="lt1"/>
+          </a:fontRef>
+        </p:style>
+        <p:txBody>
+          <a:bodyPr wrap="square" rtlCol="0" anchor="ctr">
+            <a:noAutofit/>
+          </a:bodyPr>
+          <a:lstStyle/>
+          <a:p>
+            <a:pPr algn="ctr"/>
+            <a:endParaRPr lang="en-US" dirty="0"/>
+          </a:p>
+        </p:txBody>
+      </p:sp>
+    </p:spTree>
+    <p:extLst>
+      <p:ext uri="{BB962C8B-B14F-4D97-AF65-F5344CB8AC3E}">
+        <p14:creationId xmlns:p14="http://schemas.microsoft.com/office/powerpoint/2010/main" val="2916498579"/>
+      </p:ext>
+    </p:extLst>
+  </p:cSld>
+  <p:clrMapOvr>
+    <a:masterClrMapping/>
+  </p:clrMapOvr>
+</p:sldLayout>
+</file>
+
+<file path=ppt/slideLayouts/slideLayout10.xml><?xml version="1.0" encoding="utf-8"?>
 <p:sldLayout xmlns:a="http://schemas.openxmlformats.org/drawingml/2006/main" xmlns:r="http://schemas.openxmlformats.org/officeDocument/2006/relationships" xmlns:p="http://schemas.openxmlformats.org/presentationml/2006/main" type="obj" preserve="1">
   <p:cSld name="Timeline">
     <p:bg>
@@ -10061,7 +11027,7 @@
           <a:p>
             <a:fld id="{AE46C21D-EBB5-4F3D-B06D-166777189317}" type="datetime1">
               <a:rPr lang="en-US" smtClean="0"/>
-              <a:t>9/12/2021</a:t>
+              <a:t>7/31/23</a:t>
             </a:fld>
             <a:endParaRPr lang="en-US" dirty="0"/>
           </a:p>
@@ -10176,7 +11142,7 @@
 </p:sldLayout>
 </file>
 
-<file path=ppt/slideLayouts/slideLayout119.xml><?xml version="1.0" encoding="utf-8"?>
+<file path=ppt/slideLayouts/slideLayout11.xml><?xml version="1.0" encoding="utf-8"?>
 <p:sldLayout xmlns:a="http://schemas.openxmlformats.org/drawingml/2006/main" xmlns:r="http://schemas.openxmlformats.org/officeDocument/2006/relationships" xmlns:p="http://schemas.openxmlformats.org/presentationml/2006/main" type="obj" preserve="1">
   <p:cSld name="2 Title and Content">
     <p:spTree>
@@ -10943,7 +11909,7 @@
           <a:p>
             <a:fld id="{1DFFEA26-EB1D-498C-95CD-1ECE586790AA}" type="datetime1">
               <a:rPr lang="en-US" smtClean="0"/>
-              <a:t>9/12/2021</a:t>
+              <a:t>7/31/23</a:t>
             </a:fld>
             <a:endParaRPr lang="en-US" dirty="0"/>
           </a:p>
@@ -11343,7 +12309,7 @@
 </p:sldLayout>
 </file>
 
-<file path=ppt/slideLayouts/slideLayout125.xml><?xml version="1.0" encoding="utf-8"?>
+<file path=ppt/slideLayouts/slideLayout12.xml><?xml version="1.0" encoding="utf-8"?>
 <p:sldLayout xmlns:a="http://schemas.openxmlformats.org/drawingml/2006/main" xmlns:r="http://schemas.openxmlformats.org/officeDocument/2006/relationships" xmlns:p="http://schemas.openxmlformats.org/presentationml/2006/main" type="obj" preserve="1">
   <p:cSld name="3 Title and Content">
     <p:spTree>
@@ -12114,7 +13080,7 @@
           <a:p>
             <a:fld id="{539842EE-D56F-4F18-94E7-094CEF23F906}" type="datetime1">
               <a:rPr lang="en-US" smtClean="0"/>
-              <a:t>9/12/2021</a:t>
+              <a:t>7/31/23</a:t>
             </a:fld>
             <a:endParaRPr lang="en-US" dirty="0"/>
           </a:p>
@@ -12704,7 +13670,7 @@
 </p:sldLayout>
 </file>
 
-<file path=ppt/slideLayouts/slideLayout132.xml><?xml version="1.0" encoding="utf-8"?>
+<file path=ppt/slideLayouts/slideLayout13.xml><?xml version="1.0" encoding="utf-8"?>
 <p:sldLayout xmlns:a="http://schemas.openxmlformats.org/drawingml/2006/main" xmlns:r="http://schemas.openxmlformats.org/officeDocument/2006/relationships" xmlns:p="http://schemas.openxmlformats.org/presentationml/2006/main" type="title" preserve="1">
   <p:cSld name="End Slide">
     <p:spTree>
@@ -13415,973 +14381,7 @@
 </p:sldLayout>
 </file>
 
-<file path=ppt/slideLayouts/slideLayout17.xml><?xml version="1.0" encoding="utf-8"?>
-<p:sldLayout xmlns:a="http://schemas.openxmlformats.org/drawingml/2006/main" xmlns:r="http://schemas.openxmlformats.org/officeDocument/2006/relationships" xmlns:p="http://schemas.openxmlformats.org/presentationml/2006/main" type="title" preserve="1">
-  <p:cSld name="Title Slide">
-    <p:spTree>
-      <p:nvGrpSpPr>
-        <p:cNvPr id="1" name=""/>
-        <p:cNvGrpSpPr/>
-        <p:nvPr/>
-      </p:nvGrpSpPr>
-      <p:grpSpPr>
-        <a:xfrm>
-          <a:off x="0" y="0"/>
-          <a:ext cx="0" cy="0"/>
-          <a:chOff x="0" y="0"/>
-          <a:chExt cx="0" cy="0"/>
-        </a:xfrm>
-      </p:grpSpPr>
-      <p:sp>
-        <p:nvSpPr>
-          <p:cNvPr id="2" name="Title 1">
-            <a:extLst>
-              <a:ext uri="{FF2B5EF4-FFF2-40B4-BE49-F238E27FC236}">
-                <a16:creationId xmlns:a16="http://schemas.microsoft.com/office/drawing/2014/main" id="{494248F2-5264-4601-AA0B-6C092F77F2DD}"/>
-              </a:ext>
-            </a:extLst>
-          </p:cNvPr>
-          <p:cNvSpPr>
-            <a:spLocks noGrp="1"/>
-          </p:cNvSpPr>
-          <p:nvPr>
-            <p:ph type="ctrTitle"/>
-          </p:nvPr>
-        </p:nvSpPr>
-        <p:spPr>
-          <a:xfrm>
-            <a:off x="1167493" y="1122363"/>
-            <a:ext cx="7096933" cy="2387600"/>
-          </a:xfrm>
-        </p:spPr>
-        <p:txBody>
-          <a:bodyPr anchor="b">
-            <a:noAutofit/>
-          </a:bodyPr>
-          <a:lstStyle>
-            <a:lvl1pPr algn="l">
-              <a:defRPr sz="6000" b="1">
-                <a:latin typeface="+mj-lt"/>
-              </a:defRPr>
-            </a:lvl1pPr>
-          </a:lstStyle>
-          <a:p>
-            <a:r>
-              <a:rPr lang="en-US" dirty="0"/>
-              <a:t>Click to edit Master title style</a:t>
-            </a:r>
-          </a:p>
-        </p:txBody>
-      </p:sp>
-      <p:sp>
-        <p:nvSpPr>
-          <p:cNvPr id="3" name="Subtitle 2">
-            <a:extLst>
-              <a:ext uri="{FF2B5EF4-FFF2-40B4-BE49-F238E27FC236}">
-                <a16:creationId xmlns:a16="http://schemas.microsoft.com/office/drawing/2014/main" id="{DCFB69D3-5632-4285-A209-9DCA67DA668C}"/>
-              </a:ext>
-            </a:extLst>
-          </p:cNvPr>
-          <p:cNvSpPr>
-            <a:spLocks noGrp="1"/>
-          </p:cNvSpPr>
-          <p:nvPr>
-            <p:ph type="subTitle" idx="1"/>
-          </p:nvPr>
-        </p:nvSpPr>
-        <p:spPr>
-          <a:xfrm>
-            <a:off x="1167493" y="3602038"/>
-            <a:ext cx="9500507" cy="806675"/>
-          </a:xfrm>
-        </p:spPr>
-        <p:txBody>
-          <a:bodyPr>
-            <a:noAutofit/>
-          </a:bodyPr>
-          <a:lstStyle>
-            <a:lvl1pPr marL="0" indent="0" algn="l">
-              <a:buNone/>
-              <a:defRPr sz="3200">
-                <a:latin typeface="+mn-lt"/>
-              </a:defRPr>
-            </a:lvl1pPr>
-            <a:lvl2pPr marL="457200" indent="0" algn="ctr">
-              <a:buNone/>
-              <a:defRPr sz="2000"/>
-            </a:lvl2pPr>
-            <a:lvl3pPr marL="914400" indent="0" algn="ctr">
-              <a:buNone/>
-              <a:defRPr sz="1800"/>
-            </a:lvl3pPr>
-            <a:lvl4pPr marL="1371600" indent="0" algn="ctr">
-              <a:buNone/>
-              <a:defRPr sz="1600"/>
-            </a:lvl4pPr>
-            <a:lvl5pPr marL="1828800" indent="0" algn="ctr">
-              <a:buNone/>
-              <a:defRPr sz="1600"/>
-            </a:lvl5pPr>
-            <a:lvl6pPr marL="2286000" indent="0" algn="ctr">
-              <a:buNone/>
-              <a:defRPr sz="1600"/>
-            </a:lvl6pPr>
-            <a:lvl7pPr marL="2743200" indent="0" algn="ctr">
-              <a:buNone/>
-              <a:defRPr sz="1600"/>
-            </a:lvl7pPr>
-            <a:lvl8pPr marL="3200400" indent="0" algn="ctr">
-              <a:buNone/>
-              <a:defRPr sz="1600"/>
-            </a:lvl8pPr>
-            <a:lvl9pPr marL="3657600" indent="0" algn="ctr">
-              <a:buNone/>
-              <a:defRPr sz="1600"/>
-            </a:lvl9pPr>
-          </a:lstStyle>
-          <a:p>
-            <a:r>
-              <a:rPr lang="en-US" dirty="0"/>
-              <a:t>Click to edit Master subtitle style</a:t>
-            </a:r>
-          </a:p>
-        </p:txBody>
-      </p:sp>
-      <p:sp>
-        <p:nvSpPr>
-          <p:cNvPr id="4" name="Rectangle 3">
-            <a:extLst>
-              <a:ext uri="{FF2B5EF4-FFF2-40B4-BE49-F238E27FC236}">
-                <a16:creationId xmlns:a16="http://schemas.microsoft.com/office/drawing/2014/main" id="{9AC79249-FDC0-364D-A734-AE1DE1605D28}"/>
-              </a:ext>
-            </a:extLst>
-          </p:cNvPr>
-          <p:cNvSpPr/>
-          <p:nvPr userDrawn="1"/>
-        </p:nvSpPr>
-        <p:spPr>
-          <a:xfrm>
-            <a:off x="0" y="4572000"/>
-            <a:ext cx="12192000" cy="2286000"/>
-          </a:xfrm>
-          <a:prstGeom prst="rect">
-            <a:avLst/>
-          </a:prstGeom>
-          <a:solidFill>
-            <a:schemeClr val="accent2"/>
-          </a:solidFill>
-          <a:ln>
-            <a:noFill/>
-          </a:ln>
-        </p:spPr>
-        <p:style>
-          <a:lnRef idx="2">
-            <a:schemeClr val="accent1">
-              <a:shade val="50000"/>
-            </a:schemeClr>
-          </a:lnRef>
-          <a:fillRef idx="1">
-            <a:schemeClr val="accent1"/>
-          </a:fillRef>
-          <a:effectRef idx="0">
-            <a:schemeClr val="accent1"/>
-          </a:effectRef>
-          <a:fontRef idx="minor">
-            <a:schemeClr val="lt1"/>
-          </a:fontRef>
-        </p:style>
-        <p:txBody>
-          <a:bodyPr rtlCol="0" anchor="ctr"/>
-          <a:lstStyle/>
-          <a:p>
-            <a:pPr algn="ctr"/>
-            <a:endParaRPr lang="en-US" dirty="0"/>
-          </a:p>
-        </p:txBody>
-      </p:sp>
-      <p:sp>
-        <p:nvSpPr>
-          <p:cNvPr id="5" name="Oval 4">
-            <a:extLst>
-              <a:ext uri="{FF2B5EF4-FFF2-40B4-BE49-F238E27FC236}">
-                <a16:creationId xmlns:a16="http://schemas.microsoft.com/office/drawing/2014/main" id="{902465C8-266D-104C-9C49-323DF4A8277E}"/>
-              </a:ext>
-            </a:extLst>
-          </p:cNvPr>
-          <p:cNvSpPr/>
-          <p:nvPr userDrawn="1"/>
-        </p:nvSpPr>
-        <p:spPr>
-          <a:xfrm>
-            <a:off x="583746" y="4960030"/>
-            <a:ext cx="1551214" cy="1551214"/>
-          </a:xfrm>
-          <a:prstGeom prst="ellipse">
-            <a:avLst/>
-          </a:prstGeom>
-          <a:solidFill>
-            <a:schemeClr val="tx2"/>
-          </a:solidFill>
-        </p:spPr>
-        <p:style>
-          <a:lnRef idx="2">
-            <a:schemeClr val="accent1">
-              <a:shade val="50000"/>
-            </a:schemeClr>
-          </a:lnRef>
-          <a:fillRef idx="1">
-            <a:schemeClr val="accent1"/>
-          </a:fillRef>
-          <a:effectRef idx="0">
-            <a:schemeClr val="accent1"/>
-          </a:effectRef>
-          <a:fontRef idx="minor">
-            <a:schemeClr val="lt1"/>
-          </a:fontRef>
-        </p:style>
-        <p:txBody>
-          <a:bodyPr rtlCol="0" anchor="ctr"/>
-          <a:lstStyle/>
-          <a:p>
-            <a:pPr algn="ctr"/>
-            <a:endParaRPr lang="en-US" dirty="0"/>
-          </a:p>
-        </p:txBody>
-      </p:sp>
-      <p:sp>
-        <p:nvSpPr>
-          <p:cNvPr id="11" name="Freeform 10">
-            <a:extLst>
-              <a:ext uri="{FF2B5EF4-FFF2-40B4-BE49-F238E27FC236}">
-                <a16:creationId xmlns:a16="http://schemas.microsoft.com/office/drawing/2014/main" id="{37979A1C-BF60-B345-A664-2E4F7A3461EB}"/>
-              </a:ext>
-            </a:extLst>
-          </p:cNvPr>
-          <p:cNvSpPr/>
-          <p:nvPr userDrawn="1"/>
-        </p:nvSpPr>
-        <p:spPr>
-          <a:xfrm>
-            <a:off x="1" y="4571999"/>
-            <a:ext cx="1118508" cy="1118508"/>
-          </a:xfrm>
-          <a:custGeom>
-            <a:avLst/>
-            <a:gdLst>
-              <a:gd name="connsiteX0" fmla="*/ 0 w 1167493"/>
-              <a:gd name="connsiteY0" fmla="*/ 0 h 1167493"/>
-              <a:gd name="connsiteX1" fmla="*/ 1167493 w 1167493"/>
-              <a:gd name="connsiteY1" fmla="*/ 0 h 1167493"/>
-              <a:gd name="connsiteX2" fmla="*/ 0 w 1167493"/>
-              <a:gd name="connsiteY2" fmla="*/ 1167493 h 1167493"/>
-              <a:gd name="connsiteX3" fmla="*/ 0 w 1167493"/>
-              <a:gd name="connsiteY3" fmla="*/ 0 h 1167493"/>
-            </a:gdLst>
-            <a:ahLst/>
-            <a:cxnLst>
-              <a:cxn ang="0">
-                <a:pos x="connsiteX0" y="connsiteY0"/>
-              </a:cxn>
-              <a:cxn ang="0">
-                <a:pos x="connsiteX1" y="connsiteY1"/>
-              </a:cxn>
-              <a:cxn ang="0">
-                <a:pos x="connsiteX2" y="connsiteY2"/>
-              </a:cxn>
-              <a:cxn ang="0">
-                <a:pos x="connsiteX3" y="connsiteY3"/>
-              </a:cxn>
-            </a:cxnLst>
-            <a:rect l="l" t="t" r="r" b="b"/>
-            <a:pathLst>
-              <a:path w="1167493" h="1167493">
-                <a:moveTo>
-                  <a:pt x="0" y="0"/>
-                </a:moveTo>
-                <a:lnTo>
-                  <a:pt x="1167493" y="0"/>
-                </a:lnTo>
-                <a:cubicBezTo>
-                  <a:pt x="522704" y="0"/>
-                  <a:pt x="0" y="522704"/>
-                  <a:pt x="0" y="1167493"/>
-                </a:cubicBezTo>
-                <a:lnTo>
-                  <a:pt x="0" y="0"/>
-                </a:lnTo>
-                <a:close/>
-              </a:path>
-            </a:pathLst>
-          </a:custGeom>
-          <a:solidFill>
-            <a:schemeClr val="accent1"/>
-          </a:solidFill>
-          <a:ln>
-            <a:noFill/>
-          </a:ln>
-        </p:spPr>
-        <p:style>
-          <a:lnRef idx="2">
-            <a:schemeClr val="accent1">
-              <a:shade val="50000"/>
-            </a:schemeClr>
-          </a:lnRef>
-          <a:fillRef idx="1">
-            <a:schemeClr val="accent1"/>
-          </a:fillRef>
-          <a:effectRef idx="0">
-            <a:schemeClr val="accent1"/>
-          </a:effectRef>
-          <a:fontRef idx="minor">
-            <a:schemeClr val="lt1"/>
-          </a:fontRef>
-        </p:style>
-        <p:txBody>
-          <a:bodyPr wrap="square" rtlCol="0" anchor="ctr">
-            <a:noAutofit/>
-          </a:bodyPr>
-          <a:lstStyle/>
-          <a:p>
-            <a:pPr algn="ctr"/>
-            <a:endParaRPr lang="en-US" dirty="0"/>
-          </a:p>
-        </p:txBody>
-      </p:sp>
-      <p:sp>
-        <p:nvSpPr>
-          <p:cNvPr id="9" name="Freeform 8">
-            <a:extLst>
-              <a:ext uri="{FF2B5EF4-FFF2-40B4-BE49-F238E27FC236}">
-                <a16:creationId xmlns:a16="http://schemas.microsoft.com/office/drawing/2014/main" id="{58080B3E-915C-2D4C-8608-596E1BFD6387}"/>
-              </a:ext>
-            </a:extLst>
-          </p:cNvPr>
-          <p:cNvSpPr/>
-          <p:nvPr userDrawn="1"/>
-        </p:nvSpPr>
-        <p:spPr>
-          <a:xfrm>
-            <a:off x="1" y="5739492"/>
-            <a:ext cx="1118508" cy="1118508"/>
-          </a:xfrm>
-          <a:custGeom>
-            <a:avLst/>
-            <a:gdLst>
-              <a:gd name="connsiteX0" fmla="*/ 0 w 1167493"/>
-              <a:gd name="connsiteY0" fmla="*/ 0 h 1167493"/>
-              <a:gd name="connsiteX1" fmla="*/ 1167493 w 1167493"/>
-              <a:gd name="connsiteY1" fmla="*/ 1167493 h 1167493"/>
-              <a:gd name="connsiteX2" fmla="*/ 0 w 1167493"/>
-              <a:gd name="connsiteY2" fmla="*/ 1167493 h 1167493"/>
-              <a:gd name="connsiteX3" fmla="*/ 0 w 1167493"/>
-              <a:gd name="connsiteY3" fmla="*/ 0 h 1167493"/>
-            </a:gdLst>
-            <a:ahLst/>
-            <a:cxnLst>
-              <a:cxn ang="0">
-                <a:pos x="connsiteX0" y="connsiteY0"/>
-              </a:cxn>
-              <a:cxn ang="0">
-                <a:pos x="connsiteX1" y="connsiteY1"/>
-              </a:cxn>
-              <a:cxn ang="0">
-                <a:pos x="connsiteX2" y="connsiteY2"/>
-              </a:cxn>
-              <a:cxn ang="0">
-                <a:pos x="connsiteX3" y="connsiteY3"/>
-              </a:cxn>
-            </a:cxnLst>
-            <a:rect l="l" t="t" r="r" b="b"/>
-            <a:pathLst>
-              <a:path w="1167493" h="1167493">
-                <a:moveTo>
-                  <a:pt x="0" y="0"/>
-                </a:moveTo>
-                <a:cubicBezTo>
-                  <a:pt x="0" y="644789"/>
-                  <a:pt x="522704" y="1167493"/>
-                  <a:pt x="1167493" y="1167493"/>
-                </a:cubicBezTo>
-                <a:lnTo>
-                  <a:pt x="0" y="1167493"/>
-                </a:lnTo>
-                <a:lnTo>
-                  <a:pt x="0" y="0"/>
-                </a:lnTo>
-                <a:close/>
-              </a:path>
-            </a:pathLst>
-          </a:custGeom>
-          <a:solidFill>
-            <a:schemeClr val="accent1"/>
-          </a:solidFill>
-          <a:ln>
-            <a:noFill/>
-          </a:ln>
-        </p:spPr>
-        <p:style>
-          <a:lnRef idx="2">
-            <a:schemeClr val="accent1">
-              <a:shade val="50000"/>
-            </a:schemeClr>
-          </a:lnRef>
-          <a:fillRef idx="1">
-            <a:schemeClr val="accent1"/>
-          </a:fillRef>
-          <a:effectRef idx="0">
-            <a:schemeClr val="accent1"/>
-          </a:effectRef>
-          <a:fontRef idx="minor">
-            <a:schemeClr val="lt1"/>
-          </a:fontRef>
-        </p:style>
-        <p:txBody>
-          <a:bodyPr wrap="square" rtlCol="0" anchor="ctr">
-            <a:noAutofit/>
-          </a:bodyPr>
-          <a:lstStyle/>
-          <a:p>
-            <a:pPr algn="ctr"/>
-            <a:endParaRPr lang="en-US" dirty="0"/>
-          </a:p>
-        </p:txBody>
-      </p:sp>
-      <p:grpSp>
-        <p:nvGrpSpPr>
-          <p:cNvPr id="6" name="Group 5">
-            <a:extLst>
-              <a:ext uri="{FF2B5EF4-FFF2-40B4-BE49-F238E27FC236}">
-                <a16:creationId xmlns:a16="http://schemas.microsoft.com/office/drawing/2014/main" id="{F15FBB50-09C8-B64E-AE57-67C5E70810CB}"/>
-              </a:ext>
-            </a:extLst>
-          </p:cNvPr>
-          <p:cNvGrpSpPr/>
-          <p:nvPr userDrawn="1"/>
-        </p:nvGrpSpPr>
-        <p:grpSpPr>
-          <a:xfrm>
-            <a:off x="8264427" y="-3419"/>
-            <a:ext cx="3927573" cy="3165022"/>
-            <a:chOff x="9857014" y="13834"/>
-            <a:chExt cx="2334986" cy="1881641"/>
-          </a:xfrm>
-        </p:grpSpPr>
-        <p:sp>
-          <p:nvSpPr>
-            <p:cNvPr id="15" name="Freeform 14">
-              <a:extLst>
-                <a:ext uri="{FF2B5EF4-FFF2-40B4-BE49-F238E27FC236}">
-                  <a16:creationId xmlns:a16="http://schemas.microsoft.com/office/drawing/2014/main" id="{EFBF1E52-11FA-DC48-B7AD-75734232FFE8}"/>
-                </a:ext>
-              </a:extLst>
-            </p:cNvPr>
-            <p:cNvSpPr/>
-            <p:nvPr userDrawn="1"/>
-          </p:nvSpPr>
-          <p:spPr>
-            <a:xfrm rot="5400000" flipH="1" flipV="1">
-              <a:off x="10667433" y="370908"/>
-              <a:ext cx="1881641" cy="1167493"/>
-            </a:xfrm>
-            <a:custGeom>
-              <a:avLst/>
-              <a:gdLst>
-                <a:gd name="connsiteX0" fmla="*/ 1881641 w 1881641"/>
-                <a:gd name="connsiteY0" fmla="*/ 1167473 h 1167493"/>
-                <a:gd name="connsiteX1" fmla="*/ 1881641 w 1881641"/>
-                <a:gd name="connsiteY1" fmla="*/ 1167493 h 1167493"/>
-                <a:gd name="connsiteX2" fmla="*/ 1167493 w 1881641"/>
-                <a:gd name="connsiteY2" fmla="*/ 1167493 h 1167493"/>
-                <a:gd name="connsiteX3" fmla="*/ 0 w 1881641"/>
-                <a:gd name="connsiteY3" fmla="*/ 0 h 1167493"/>
-                <a:gd name="connsiteX4" fmla="*/ 714149 w 1881641"/>
-                <a:gd name="connsiteY4" fmla="*/ 0 h 1167493"/>
-                <a:gd name="connsiteX5" fmla="*/ 1875614 w 1881641"/>
-                <a:gd name="connsiteY5" fmla="*/ 1048124 h 1167493"/>
-                <a:gd name="connsiteX6" fmla="*/ 1881641 w 1881641"/>
-                <a:gd name="connsiteY6" fmla="*/ 1167473 h 1167493"/>
-              </a:gdLst>
-              <a:ahLst/>
-              <a:cxnLst>
-                <a:cxn ang="0">
-                  <a:pos x="connsiteX0" y="connsiteY0"/>
-                </a:cxn>
-                <a:cxn ang="0">
-                  <a:pos x="connsiteX1" y="connsiteY1"/>
-                </a:cxn>
-                <a:cxn ang="0">
-                  <a:pos x="connsiteX2" y="connsiteY2"/>
-                </a:cxn>
-                <a:cxn ang="0">
-                  <a:pos x="connsiteX3" y="connsiteY3"/>
-                </a:cxn>
-                <a:cxn ang="0">
-                  <a:pos x="connsiteX4" y="connsiteY4"/>
-                </a:cxn>
-                <a:cxn ang="0">
-                  <a:pos x="connsiteX5" y="connsiteY5"/>
-                </a:cxn>
-                <a:cxn ang="0">
-                  <a:pos x="connsiteX6" y="connsiteY6"/>
-                </a:cxn>
-              </a:cxnLst>
-              <a:rect l="l" t="t" r="r" b="b"/>
-              <a:pathLst>
-                <a:path w="1881641" h="1167493">
-                  <a:moveTo>
-                    <a:pt x="1881641" y="1167473"/>
-                  </a:moveTo>
-                  <a:lnTo>
-                    <a:pt x="1881641" y="1167493"/>
-                  </a:lnTo>
-                  <a:lnTo>
-                    <a:pt x="1167493" y="1167493"/>
-                  </a:lnTo>
-                  <a:cubicBezTo>
-                    <a:pt x="522704" y="1167493"/>
-                    <a:pt x="0" y="644789"/>
-                    <a:pt x="0" y="0"/>
-                  </a:cubicBezTo>
-                  <a:lnTo>
-                    <a:pt x="714149" y="0"/>
-                  </a:lnTo>
-                  <a:cubicBezTo>
-                    <a:pt x="1318639" y="0"/>
-                    <a:pt x="1815827" y="459408"/>
-                    <a:pt x="1875614" y="1048124"/>
-                  </a:cubicBezTo>
-                  <a:lnTo>
-                    <a:pt x="1881641" y="1167473"/>
-                  </a:lnTo>
-                  <a:close/>
-                </a:path>
-              </a:pathLst>
-            </a:custGeom>
-            <a:solidFill>
-              <a:schemeClr val="accent1"/>
-            </a:solidFill>
-            <a:ln>
-              <a:noFill/>
-            </a:ln>
-          </p:spPr>
-          <p:style>
-            <a:lnRef idx="2">
-              <a:schemeClr val="accent1">
-                <a:shade val="50000"/>
-              </a:schemeClr>
-            </a:lnRef>
-            <a:fillRef idx="1">
-              <a:schemeClr val="accent1"/>
-            </a:fillRef>
-            <a:effectRef idx="0">
-              <a:schemeClr val="accent1"/>
-            </a:effectRef>
-            <a:fontRef idx="minor">
-              <a:schemeClr val="lt1"/>
-            </a:fontRef>
-          </p:style>
-          <p:txBody>
-            <a:bodyPr wrap="square" rtlCol="0" anchor="ctr">
-              <a:noAutofit/>
-            </a:bodyPr>
-            <a:lstStyle/>
-            <a:p>
-              <a:pPr algn="ctr"/>
-              <a:endParaRPr lang="en-US" dirty="0"/>
-            </a:p>
-          </p:txBody>
-        </p:sp>
-        <p:sp>
-          <p:nvSpPr>
-            <p:cNvPr id="16" name="Freeform 15">
-              <a:extLst>
-                <a:ext uri="{FF2B5EF4-FFF2-40B4-BE49-F238E27FC236}">
-                  <a16:creationId xmlns:a16="http://schemas.microsoft.com/office/drawing/2014/main" id="{4850B620-49F5-3748-84AF-682555D52792}"/>
-                </a:ext>
-              </a:extLst>
-            </p:cNvPr>
-            <p:cNvSpPr/>
-            <p:nvPr userDrawn="1"/>
-          </p:nvSpPr>
-          <p:spPr>
-            <a:xfrm rot="16200000" flipV="1">
-              <a:off x="9499940" y="370908"/>
-              <a:ext cx="1881641" cy="1167493"/>
-            </a:xfrm>
-            <a:custGeom>
-              <a:avLst/>
-              <a:gdLst>
-                <a:gd name="connsiteX0" fmla="*/ 1881641 w 1881641"/>
-                <a:gd name="connsiteY0" fmla="*/ 1167473 h 1167493"/>
-                <a:gd name="connsiteX1" fmla="*/ 1881641 w 1881641"/>
-                <a:gd name="connsiteY1" fmla="*/ 1167493 h 1167493"/>
-                <a:gd name="connsiteX2" fmla="*/ 1167493 w 1881641"/>
-                <a:gd name="connsiteY2" fmla="*/ 1167493 h 1167493"/>
-                <a:gd name="connsiteX3" fmla="*/ 0 w 1881641"/>
-                <a:gd name="connsiteY3" fmla="*/ 0 h 1167493"/>
-                <a:gd name="connsiteX4" fmla="*/ 714149 w 1881641"/>
-                <a:gd name="connsiteY4" fmla="*/ 0 h 1167493"/>
-                <a:gd name="connsiteX5" fmla="*/ 1875614 w 1881641"/>
-                <a:gd name="connsiteY5" fmla="*/ 1048124 h 1167493"/>
-                <a:gd name="connsiteX6" fmla="*/ 1881641 w 1881641"/>
-                <a:gd name="connsiteY6" fmla="*/ 1167473 h 1167493"/>
-              </a:gdLst>
-              <a:ahLst/>
-              <a:cxnLst>
-                <a:cxn ang="0">
-                  <a:pos x="connsiteX0" y="connsiteY0"/>
-                </a:cxn>
-                <a:cxn ang="0">
-                  <a:pos x="connsiteX1" y="connsiteY1"/>
-                </a:cxn>
-                <a:cxn ang="0">
-                  <a:pos x="connsiteX2" y="connsiteY2"/>
-                </a:cxn>
-                <a:cxn ang="0">
-                  <a:pos x="connsiteX3" y="connsiteY3"/>
-                </a:cxn>
-                <a:cxn ang="0">
-                  <a:pos x="connsiteX4" y="connsiteY4"/>
-                </a:cxn>
-                <a:cxn ang="0">
-                  <a:pos x="connsiteX5" y="connsiteY5"/>
-                </a:cxn>
-                <a:cxn ang="0">
-                  <a:pos x="connsiteX6" y="connsiteY6"/>
-                </a:cxn>
-              </a:cxnLst>
-              <a:rect l="l" t="t" r="r" b="b"/>
-              <a:pathLst>
-                <a:path w="1881641" h="1167493">
-                  <a:moveTo>
-                    <a:pt x="1881641" y="1167473"/>
-                  </a:moveTo>
-                  <a:lnTo>
-                    <a:pt x="1881641" y="1167493"/>
-                  </a:lnTo>
-                  <a:lnTo>
-                    <a:pt x="1167493" y="1167493"/>
-                  </a:lnTo>
-                  <a:cubicBezTo>
-                    <a:pt x="522704" y="1167493"/>
-                    <a:pt x="0" y="644789"/>
-                    <a:pt x="0" y="0"/>
-                  </a:cubicBezTo>
-                  <a:lnTo>
-                    <a:pt x="714149" y="0"/>
-                  </a:lnTo>
-                  <a:cubicBezTo>
-                    <a:pt x="1318639" y="0"/>
-                    <a:pt x="1815827" y="459408"/>
-                    <a:pt x="1875614" y="1048124"/>
-                  </a:cubicBezTo>
-                  <a:lnTo>
-                    <a:pt x="1881641" y="1167473"/>
-                  </a:lnTo>
-                  <a:close/>
-                </a:path>
-              </a:pathLst>
-            </a:custGeom>
-            <a:solidFill>
-              <a:schemeClr val="tx2"/>
-            </a:solidFill>
-            <a:ln>
-              <a:noFill/>
-            </a:ln>
-          </p:spPr>
-          <p:style>
-            <a:lnRef idx="2">
-              <a:schemeClr val="accent1">
-                <a:shade val="50000"/>
-              </a:schemeClr>
-            </a:lnRef>
-            <a:fillRef idx="1">
-              <a:schemeClr val="accent1"/>
-            </a:fillRef>
-            <a:effectRef idx="0">
-              <a:schemeClr val="accent1"/>
-            </a:effectRef>
-            <a:fontRef idx="minor">
-              <a:schemeClr val="lt1"/>
-            </a:fontRef>
-          </p:style>
-          <p:txBody>
-            <a:bodyPr wrap="square" rtlCol="0" anchor="ctr">
-              <a:noAutofit/>
-            </a:bodyPr>
-            <a:lstStyle/>
-            <a:p>
-              <a:pPr algn="ctr"/>
-              <a:endParaRPr lang="en-US" dirty="0"/>
-            </a:p>
-          </p:txBody>
-        </p:sp>
-      </p:grpSp>
-      <p:sp>
-        <p:nvSpPr>
-          <p:cNvPr id="22" name="Freeform 21">
-            <a:extLst>
-              <a:ext uri="{FF2B5EF4-FFF2-40B4-BE49-F238E27FC236}">
-                <a16:creationId xmlns:a16="http://schemas.microsoft.com/office/drawing/2014/main" id="{BC68F289-2744-2F48-893A-3F17911625C8}"/>
-              </a:ext>
-            </a:extLst>
-          </p:cNvPr>
-          <p:cNvSpPr/>
-          <p:nvPr userDrawn="1"/>
-        </p:nvSpPr>
-        <p:spPr>
-          <a:xfrm>
-            <a:off x="0" y="-1"/>
-            <a:ext cx="1167493" cy="1167493"/>
-          </a:xfrm>
-          <a:custGeom>
-            <a:avLst/>
-            <a:gdLst>
-              <a:gd name="connsiteX0" fmla="*/ 0 w 862693"/>
-              <a:gd name="connsiteY0" fmla="*/ 0 h 862693"/>
-              <a:gd name="connsiteX1" fmla="*/ 862693 w 862693"/>
-              <a:gd name="connsiteY1" fmla="*/ 0 h 862693"/>
-              <a:gd name="connsiteX2" fmla="*/ 0 w 862693"/>
-              <a:gd name="connsiteY2" fmla="*/ 862693 h 862693"/>
-              <a:gd name="connsiteX3" fmla="*/ 0 w 862693"/>
-              <a:gd name="connsiteY3" fmla="*/ 0 h 862693"/>
-            </a:gdLst>
-            <a:ahLst/>
-            <a:cxnLst>
-              <a:cxn ang="0">
-                <a:pos x="connsiteX0" y="connsiteY0"/>
-              </a:cxn>
-              <a:cxn ang="0">
-                <a:pos x="connsiteX1" y="connsiteY1"/>
-              </a:cxn>
-              <a:cxn ang="0">
-                <a:pos x="connsiteX2" y="connsiteY2"/>
-              </a:cxn>
-              <a:cxn ang="0">
-                <a:pos x="connsiteX3" y="connsiteY3"/>
-              </a:cxn>
-            </a:cxnLst>
-            <a:rect l="l" t="t" r="r" b="b"/>
-            <a:pathLst>
-              <a:path w="862693" h="862693">
-                <a:moveTo>
-                  <a:pt x="0" y="0"/>
-                </a:moveTo>
-                <a:lnTo>
-                  <a:pt x="862693" y="0"/>
-                </a:lnTo>
-                <a:cubicBezTo>
-                  <a:pt x="862693" y="476453"/>
-                  <a:pt x="476452" y="862693"/>
-                  <a:pt x="0" y="862693"/>
-                </a:cubicBezTo>
-                <a:lnTo>
-                  <a:pt x="0" y="0"/>
-                </a:lnTo>
-                <a:close/>
-              </a:path>
-            </a:pathLst>
-          </a:custGeom>
-          <a:solidFill>
-            <a:schemeClr val="accent3"/>
-          </a:solidFill>
-          <a:ln>
-            <a:noFill/>
-          </a:ln>
-        </p:spPr>
-        <p:style>
-          <a:lnRef idx="2">
-            <a:schemeClr val="accent1">
-              <a:shade val="50000"/>
-            </a:schemeClr>
-          </a:lnRef>
-          <a:fillRef idx="1">
-            <a:schemeClr val="accent1"/>
-          </a:fillRef>
-          <a:effectRef idx="0">
-            <a:schemeClr val="accent1"/>
-          </a:effectRef>
-          <a:fontRef idx="minor">
-            <a:schemeClr val="lt1"/>
-          </a:fontRef>
-        </p:style>
-        <p:txBody>
-          <a:bodyPr wrap="square" rtlCol="0" anchor="ctr">
-            <a:noAutofit/>
-          </a:bodyPr>
-          <a:lstStyle/>
-          <a:p>
-            <a:pPr algn="ctr"/>
-            <a:endParaRPr lang="en-US" dirty="0"/>
-          </a:p>
-        </p:txBody>
-      </p:sp>
-      <p:sp>
-        <p:nvSpPr>
-          <p:cNvPr id="28" name="Freeform 27">
-            <a:extLst>
-              <a:ext uri="{FF2B5EF4-FFF2-40B4-BE49-F238E27FC236}">
-                <a16:creationId xmlns:a16="http://schemas.microsoft.com/office/drawing/2014/main" id="{9E240E8A-950E-7946-826C-415CB5DACA43}"/>
-              </a:ext>
-            </a:extLst>
-          </p:cNvPr>
-          <p:cNvSpPr/>
-          <p:nvPr userDrawn="1"/>
-        </p:nvSpPr>
-        <p:spPr>
-          <a:xfrm>
-            <a:off x="11024507" y="4580708"/>
-            <a:ext cx="1167493" cy="2277292"/>
-          </a:xfrm>
-          <a:custGeom>
-            <a:avLst/>
-            <a:gdLst>
-              <a:gd name="connsiteX0" fmla="*/ 1167473 w 1167493"/>
-              <a:gd name="connsiteY0" fmla="*/ 0 h 2272167"/>
-              <a:gd name="connsiteX1" fmla="*/ 1167493 w 1167493"/>
-              <a:gd name="connsiteY1" fmla="*/ 0 h 2272167"/>
-              <a:gd name="connsiteX2" fmla="*/ 1167493 w 1167493"/>
-              <a:gd name="connsiteY2" fmla="*/ 492960 h 2272167"/>
-              <a:gd name="connsiteX3" fmla="*/ 1167493 w 1167493"/>
-              <a:gd name="connsiteY3" fmla="*/ 720385 h 2272167"/>
-              <a:gd name="connsiteX4" fmla="*/ 1167493 w 1167493"/>
-              <a:gd name="connsiteY4" fmla="*/ 2272167 h 2272167"/>
-              <a:gd name="connsiteX5" fmla="*/ 0 w 1167493"/>
-              <a:gd name="connsiteY5" fmla="*/ 2272167 h 2272167"/>
-              <a:gd name="connsiteX6" fmla="*/ 0 w 1167493"/>
-              <a:gd name="connsiteY6" fmla="*/ 1898074 h 2272167"/>
-              <a:gd name="connsiteX7" fmla="*/ 0 w 1167493"/>
-              <a:gd name="connsiteY7" fmla="*/ 1271597 h 2272167"/>
-              <a:gd name="connsiteX8" fmla="*/ 0 w 1167493"/>
-              <a:gd name="connsiteY8" fmla="*/ 1177688 h 2272167"/>
-              <a:gd name="connsiteX9" fmla="*/ 1048124 w 1167493"/>
-              <a:gd name="connsiteY9" fmla="*/ 6080 h 2272167"/>
-              <a:gd name="connsiteX10" fmla="*/ 1167473 w 1167493"/>
-              <a:gd name="connsiteY10" fmla="*/ 0 h 2272167"/>
-            </a:gdLst>
-            <a:ahLst/>
-            <a:cxnLst>
-              <a:cxn ang="0">
-                <a:pos x="connsiteX0" y="connsiteY0"/>
-              </a:cxn>
-              <a:cxn ang="0">
-                <a:pos x="connsiteX1" y="connsiteY1"/>
-              </a:cxn>
-              <a:cxn ang="0">
-                <a:pos x="connsiteX2" y="connsiteY2"/>
-              </a:cxn>
-              <a:cxn ang="0">
-                <a:pos x="connsiteX3" y="connsiteY3"/>
-              </a:cxn>
-              <a:cxn ang="0">
-                <a:pos x="connsiteX4" y="connsiteY4"/>
-              </a:cxn>
-              <a:cxn ang="0">
-                <a:pos x="connsiteX5" y="connsiteY5"/>
-              </a:cxn>
-              <a:cxn ang="0">
-                <a:pos x="connsiteX6" y="connsiteY6"/>
-              </a:cxn>
-              <a:cxn ang="0">
-                <a:pos x="connsiteX7" y="connsiteY7"/>
-              </a:cxn>
-              <a:cxn ang="0">
-                <a:pos x="connsiteX8" y="connsiteY8"/>
-              </a:cxn>
-              <a:cxn ang="0">
-                <a:pos x="connsiteX9" y="connsiteY9"/>
-              </a:cxn>
-              <a:cxn ang="0">
-                <a:pos x="connsiteX10" y="connsiteY10"/>
-              </a:cxn>
-            </a:cxnLst>
-            <a:rect l="l" t="t" r="r" b="b"/>
-            <a:pathLst>
-              <a:path w="1167493" h="2272167">
-                <a:moveTo>
-                  <a:pt x="1167473" y="0"/>
-                </a:moveTo>
-                <a:lnTo>
-                  <a:pt x="1167493" y="0"/>
-                </a:lnTo>
-                <a:lnTo>
-                  <a:pt x="1167493" y="492960"/>
-                </a:lnTo>
-                <a:lnTo>
-                  <a:pt x="1167493" y="720385"/>
-                </a:lnTo>
-                <a:lnTo>
-                  <a:pt x="1167493" y="2272167"/>
-                </a:lnTo>
-                <a:lnTo>
-                  <a:pt x="0" y="2272167"/>
-                </a:lnTo>
-                <a:lnTo>
-                  <a:pt x="0" y="1898074"/>
-                </a:lnTo>
-                <a:lnTo>
-                  <a:pt x="0" y="1271597"/>
-                </a:lnTo>
-                <a:lnTo>
-                  <a:pt x="0" y="1177688"/>
-                </a:lnTo>
-                <a:cubicBezTo>
-                  <a:pt x="0" y="567919"/>
-                  <a:pt x="459408" y="66389"/>
-                  <a:pt x="1048124" y="6080"/>
-                </a:cubicBezTo>
-                <a:lnTo>
-                  <a:pt x="1167473" y="0"/>
-                </a:lnTo>
-                <a:close/>
-              </a:path>
-            </a:pathLst>
-          </a:custGeom>
-          <a:ln>
-            <a:noFill/>
-          </a:ln>
-        </p:spPr>
-        <p:style>
-          <a:lnRef idx="2">
-            <a:schemeClr val="accent1">
-              <a:shade val="50000"/>
-            </a:schemeClr>
-          </a:lnRef>
-          <a:fillRef idx="1">
-            <a:schemeClr val="accent1"/>
-          </a:fillRef>
-          <a:effectRef idx="0">
-            <a:schemeClr val="accent1"/>
-          </a:effectRef>
-          <a:fontRef idx="minor">
-            <a:schemeClr val="lt1"/>
-          </a:fontRef>
-        </p:style>
-        <p:txBody>
-          <a:bodyPr wrap="square" rtlCol="0" anchor="ctr">
-            <a:noAutofit/>
-          </a:bodyPr>
-          <a:lstStyle/>
-          <a:p>
-            <a:pPr algn="ctr"/>
-            <a:endParaRPr lang="en-US" dirty="0"/>
-          </a:p>
-        </p:txBody>
-      </p:sp>
-    </p:spTree>
-    <p:extLst>
-      <p:ext uri="{BB962C8B-B14F-4D97-AF65-F5344CB8AC3E}">
-        <p14:creationId xmlns:p14="http://schemas.microsoft.com/office/powerpoint/2010/main" val="2916498579"/>
-      </p:ext>
-    </p:extLst>
-  </p:cSld>
-  <p:clrMapOvr>
-    <a:masterClrMapping/>
-  </p:clrMapOvr>
-</p:sldLayout>
-</file>
-
-<file path=ppt/slideLayouts/slideLayout26.xml><?xml version="1.0" encoding="utf-8"?>
+<file path=ppt/slideLayouts/slideLayout2.xml><?xml version="1.0" encoding="utf-8"?>
 <p:sldLayout xmlns:a="http://schemas.openxmlformats.org/drawingml/2006/main" xmlns:r="http://schemas.openxmlformats.org/officeDocument/2006/relationships" xmlns:p="http://schemas.openxmlformats.org/presentationml/2006/main" type="obj" preserve="1">
   <p:cSld name="Title and Content">
     <p:spTree>
@@ -15150,7 +15150,7 @@
           <a:p>
             <a:fld id="{45B08281-154C-4FEF-A6DF-18BA3AC0F374}" type="datetime1">
               <a:rPr lang="en-US" smtClean="0"/>
-              <a:t>9/12/2021</a:t>
+              <a:t>7/31/23</a:t>
             </a:fld>
             <a:endParaRPr lang="en-US" dirty="0"/>
           </a:p>
@@ -15265,7 +15265,7 @@
 </p:sldLayout>
 </file>
 
-<file path=ppt/slideLayouts/slideLayout33.xml><?xml version="1.0" encoding="utf-8"?>
+<file path=ppt/slideLayouts/slideLayout3.xml><?xml version="1.0" encoding="utf-8"?>
 <p:sldLayout xmlns:a="http://schemas.openxmlformats.org/drawingml/2006/main" xmlns:r="http://schemas.openxmlformats.org/officeDocument/2006/relationships" xmlns:p="http://schemas.openxmlformats.org/presentationml/2006/main" preserve="1" userDrawn="1">
   <p:cSld name="Section Header">
     <p:bg>
@@ -15866,7 +15866,7 @@
           <a:p>
             <a:fld id="{04D857D4-BD7E-4A06-844B-AAD504F1114F}" type="datetime1">
               <a:rPr lang="en-US" smtClean="0"/>
-              <a:t>9/12/2021</a:t>
+              <a:t>7/31/23</a:t>
             </a:fld>
             <a:endParaRPr lang="en-US" dirty="0"/>
           </a:p>
@@ -15970,7 +15970,7 @@
 </p:sldLayout>
 </file>
 
-<file path=ppt/slideLayouts/slideLayout412.xml><?xml version="1.0" encoding="utf-8"?>
+<file path=ppt/slideLayouts/slideLayout4.xml><?xml version="1.0" encoding="utf-8"?>
 <p:sldLayout xmlns:a="http://schemas.openxmlformats.org/drawingml/2006/main" xmlns:r="http://schemas.openxmlformats.org/officeDocument/2006/relationships" xmlns:p="http://schemas.openxmlformats.org/presentationml/2006/main" type="title" preserve="1">
   <p:cSld name="Section title">
     <p:spTree>
@@ -16696,7 +16696,7 @@
 </p:sldLayout>
 </file>
 
-<file path=ppt/slideLayouts/slideLayout510.xml><?xml version="1.0" encoding="utf-8"?>
+<file path=ppt/slideLayouts/slideLayout5.xml><?xml version="1.0" encoding="utf-8"?>
 <p:sldLayout xmlns:a="http://schemas.openxmlformats.org/drawingml/2006/main" xmlns:r="http://schemas.openxmlformats.org/officeDocument/2006/relationships" xmlns:p="http://schemas.openxmlformats.org/presentationml/2006/main" type="obj" preserve="1">
   <p:cSld name="Graph">
     <p:spTree>
@@ -17089,7 +17089,7 @@
           <a:p>
             <a:fld id="{916AFA50-87A4-4E99-B112-8C6B1DFB84B2}" type="datetime1">
               <a:rPr lang="en-US" smtClean="0"/>
-              <a:t>9/12/2021</a:t>
+              <a:t>7/31/23</a:t>
             </a:fld>
             <a:endParaRPr lang="en-US" dirty="0"/>
           </a:p>
@@ -17204,7 +17204,7 @@
 </p:sldLayout>
 </file>
 
-<file path=ppt/slideLayouts/slideLayout68.xml><?xml version="1.0" encoding="utf-8"?>
+<file path=ppt/slideLayouts/slideLayout6.xml><?xml version="1.0" encoding="utf-8"?>
 <p:sldLayout xmlns:a="http://schemas.openxmlformats.org/drawingml/2006/main" xmlns:r="http://schemas.openxmlformats.org/officeDocument/2006/relationships" xmlns:p="http://schemas.openxmlformats.org/presentationml/2006/main" type="obj" preserve="1">
   <p:cSld name="Chart 2">
     <p:bg>
@@ -17678,7 +17678,7 @@
           <a:p>
             <a:fld id="{6B3905CA-BF0F-4A1B-AA0D-85E42F5D5A85}" type="datetime1">
               <a:rPr lang="en-US" smtClean="0"/>
-              <a:t>9/12/2021</a:t>
+              <a:t>7/31/23</a:t>
             </a:fld>
             <a:endParaRPr lang="en-US" dirty="0"/>
           </a:p>
@@ -17793,7 +17793,7 @@
 </p:sldLayout>
 </file>
 
-<file path=ppt/slideLayouts/slideLayout74.xml><?xml version="1.0" encoding="utf-8"?>
+<file path=ppt/slideLayouts/slideLayout7.xml><?xml version="1.0" encoding="utf-8"?>
 <p:sldLayout xmlns:a="http://schemas.openxmlformats.org/drawingml/2006/main" xmlns:r="http://schemas.openxmlformats.org/officeDocument/2006/relationships" xmlns:p="http://schemas.openxmlformats.org/presentationml/2006/main" preserve="1" userDrawn="1">
   <p:cSld name="Quote">
     <p:bg>
@@ -18149,7 +18149,7 @@
           <a:p>
             <a:fld id="{D3DA9A77-60C0-4BB8-898D-2828EE4073AD}" type="datetime1">
               <a:rPr lang="en-US" smtClean="0"/>
-              <a:t>9/12/2021</a:t>
+              <a:t>7/31/23</a:t>
             </a:fld>
             <a:endParaRPr lang="en-US" dirty="0"/>
           </a:p>
@@ -18248,7 +18248,7 @@
 </p:sldLayout>
 </file>
 
-<file path=ppt/slideLayouts/slideLayout81.xml><?xml version="1.0" encoding="utf-8"?>
+<file path=ppt/slideLayouts/slideLayout8.xml><?xml version="1.0" encoding="utf-8"?>
 <p:sldLayout xmlns:a="http://schemas.openxmlformats.org/drawingml/2006/main" xmlns:r="http://schemas.openxmlformats.org/officeDocument/2006/relationships" xmlns:p="http://schemas.openxmlformats.org/presentationml/2006/main" preserve="1" userDrawn="1">
   <p:cSld name="Team">
     <p:spTree>
@@ -18981,7 +18981,7 @@
           <a:p>
             <a:fld id="{C1F30CD5-42B1-4614-9F46-5D29928CC2DB}" type="datetime1">
               <a:rPr lang="en-US" smtClean="0"/>
-              <a:t>9/12/2021</a:t>
+              <a:t>7/31/23</a:t>
             </a:fld>
             <a:endParaRPr lang="en-US" dirty="0"/>
           </a:p>
@@ -19912,7 +19912,7 @@
 </p:sldLayout>
 </file>
 
-<file path=ppt/slideLayouts/slideLayout913.xml><?xml version="1.0" encoding="utf-8"?>
+<file path=ppt/slideLayouts/slideLayout9.xml><?xml version="1.0" encoding="utf-8"?>
 <p:sldLayout xmlns:a="http://schemas.openxmlformats.org/drawingml/2006/main" xmlns:r="http://schemas.openxmlformats.org/officeDocument/2006/relationships" xmlns:p="http://schemas.openxmlformats.org/presentationml/2006/main" preserve="1" userDrawn="1">
   <p:cSld name="Whole team">
     <p:bg>
@@ -21172,7 +21172,7 @@
           <a:p>
             <a:fld id="{EE6020E3-D95B-4E55-964F-4B1A98BDAA6F}" type="datetime1">
               <a:rPr lang="en-US" smtClean="0"/>
-              <a:t>9/12/2021</a:t>
+              <a:t>7/31/23</a:t>
             </a:fld>
             <a:endParaRPr lang="en-US" dirty="0"/>
           </a:p>
@@ -21271,7 +21271,7 @@
 </p:sldLayout>
 </file>
 
-<file path=ppt/slideMasters/slideMaster11.xml><?xml version="1.0" encoding="utf-8"?>
+<file path=ppt/slideMasters/slideMaster1.xml><?xml version="1.0" encoding="utf-8"?>
 <p:sldMaster xmlns:a="http://schemas.openxmlformats.org/drawingml/2006/main" xmlns:r="http://schemas.openxmlformats.org/officeDocument/2006/relationships" xmlns:p="http://schemas.openxmlformats.org/presentationml/2006/main">
   <p:cSld>
     <p:bg>
@@ -21325,7 +21325,7 @@
           <a:lstStyle/>
           <a:p>
             <a:r>
-              <a:rPr lang="en-US"/>
+              <a:rPr lang="en-US" dirty="0"/>
               <a:t>Click to edit Master title style</a:t>
             </a:r>
           </a:p>
@@ -21364,35 +21364,35 @@
           <a:p>
             <a:pPr lvl="0"/>
             <a:r>
-              <a:rPr lang="en-US"/>
+              <a:rPr lang="en-US" dirty="0"/>
               <a:t>Click to edit Master text styles</a:t>
             </a:r>
           </a:p>
           <a:p>
             <a:pPr lvl="1"/>
             <a:r>
-              <a:rPr lang="en-US"/>
+              <a:rPr lang="en-US" dirty="0"/>
               <a:t>Second level</a:t>
             </a:r>
           </a:p>
           <a:p>
             <a:pPr lvl="2"/>
             <a:r>
-              <a:rPr lang="en-US"/>
+              <a:rPr lang="en-US" dirty="0"/>
               <a:t>Third level</a:t>
             </a:r>
           </a:p>
           <a:p>
             <a:pPr lvl="3"/>
             <a:r>
-              <a:rPr lang="en-US"/>
+              <a:rPr lang="en-US" dirty="0"/>
               <a:t>Fourth level</a:t>
             </a:r>
           </a:p>
           <a:p>
             <a:pPr lvl="4"/>
             <a:r>
-              <a:rPr lang="en-US"/>
+              <a:rPr lang="en-US" dirty="0"/>
               <a:t>Fifth level</a:t>
             </a:r>
           </a:p>
@@ -21440,7 +21440,7 @@
           <a:p>
             <a:fld id="{FC9A72C8-1C87-42EF-8A11-BF6DFA19ED8B}" type="datetime1">
               <a:rPr lang="en-US" smtClean="0"/>
-              <a:t>9/12/2021</a:t>
+              <a:t>7/31/23</a:t>
             </a:fld>
             <a:endParaRPr lang="en-US" dirty="0"/>
           </a:p>
@@ -21576,7 +21576,7 @@
           <a:spcPct val="0"/>
         </a:spcBef>
         <a:buNone/>
-        <a:defRPr sz="4400" kern="1200">
+        <a:defRPr sz="3600" kern="1200">
           <a:solidFill>
             <a:schemeClr val="tx1"/>
           </a:solidFill>
@@ -21596,7 +21596,7 @@
         </a:spcBef>
         <a:buFont typeface="Arial" panose="020B0604020202020204" pitchFamily="34" charset="0"/>
         <a:buChar char="•"/>
-        <a:defRPr sz="2800" kern="1200">
+        <a:defRPr sz="2000" kern="1200">
           <a:solidFill>
             <a:schemeClr val="tx1"/>
           </a:solidFill>
@@ -21614,7 +21614,7 @@
         </a:spcBef>
         <a:buFont typeface="Arial" panose="020B0604020202020204" pitchFamily="34" charset="0"/>
         <a:buChar char="•"/>
-        <a:defRPr sz="2400" kern="1200">
+        <a:defRPr sz="1800" kern="1200">
           <a:solidFill>
             <a:schemeClr val="tx1"/>
           </a:solidFill>
@@ -21632,7 +21632,7 @@
         </a:spcBef>
         <a:buFont typeface="Arial" panose="020B0604020202020204" pitchFamily="34" charset="0"/>
         <a:buChar char="•"/>
-        <a:defRPr sz="2000" kern="1200">
+        <a:defRPr sz="1600" kern="1200">
           <a:solidFill>
             <a:schemeClr val="tx1"/>
           </a:solidFill>
@@ -21650,7 +21650,7 @@
         </a:spcBef>
         <a:buFont typeface="Arial" panose="020B0604020202020204" pitchFamily="34" charset="0"/>
         <a:buChar char="•"/>
-        <a:defRPr sz="1800" kern="1200">
+        <a:defRPr sz="1400" kern="1200">
           <a:solidFill>
             <a:schemeClr val="tx1"/>
           </a:solidFill>
@@ -21668,7 +21668,7 @@
         </a:spcBef>
         <a:buFont typeface="Arial" panose="020B0604020202020204" pitchFamily="34" charset="0"/>
         <a:buChar char="•"/>
-        <a:defRPr sz="1800" kern="1200">
+        <a:defRPr sz="1400" kern="1200">
           <a:solidFill>
             <a:schemeClr val="tx1"/>
           </a:solidFill>
@@ -21935,7 +21935,103 @@
 </p:sldMaster>
 </file>
 
-<file path=ppt/slides/slide108.xml><?xml version="1.0" encoding="utf-8"?>
+<file path=ppt/slides/slide1.xml><?xml version="1.0" encoding="utf-8"?>
+<p:sld xmlns:a="http://schemas.openxmlformats.org/drawingml/2006/main" xmlns:r="http://schemas.openxmlformats.org/officeDocument/2006/relationships" xmlns:p="http://schemas.openxmlformats.org/presentationml/2006/main">
+  <p:cSld>
+    <p:spTree>
+      <p:nvGrpSpPr>
+        <p:cNvPr id="1" name=""/>
+        <p:cNvGrpSpPr/>
+        <p:nvPr/>
+      </p:nvGrpSpPr>
+      <p:grpSpPr>
+        <a:xfrm>
+          <a:off x="0" y="0"/>
+          <a:ext cx="0" cy="0"/>
+          <a:chOff x="0" y="0"/>
+          <a:chExt cx="0" cy="0"/>
+        </a:xfrm>
+      </p:grpSpPr>
+      <p:sp>
+        <p:nvSpPr>
+          <p:cNvPr id="2" name="Title 1">
+            <a:extLst>
+              <a:ext uri="{FF2B5EF4-FFF2-40B4-BE49-F238E27FC236}">
+                <a16:creationId xmlns:a16="http://schemas.microsoft.com/office/drawing/2014/main" id="{51DF3D98-3C30-4CFC-8643-C81E829C8C25}"/>
+              </a:ext>
+            </a:extLst>
+          </p:cNvPr>
+          <p:cNvSpPr>
+            <a:spLocks noGrp="1"/>
+          </p:cNvSpPr>
+          <p:nvPr>
+            <p:ph type="ctrTitle"/>
+          </p:nvPr>
+        </p:nvSpPr>
+        <p:spPr>
+          <a:xfrm>
+            <a:off x="1167493" y="1122363"/>
+            <a:ext cx="7096933" cy="2387600"/>
+          </a:xfrm>
+        </p:spPr>
+        <p:txBody>
+          <a:bodyPr/>
+          <a:lstStyle/>
+          <a:p>
+            <a:r>
+              <a:rPr lang="en-US" dirty="0"/>
+              <a:t>Presentation title</a:t>
+            </a:r>
+          </a:p>
+        </p:txBody>
+      </p:sp>
+      <p:sp>
+        <p:nvSpPr>
+          <p:cNvPr id="3" name="Subtitle 2">
+            <a:extLst>
+              <a:ext uri="{FF2B5EF4-FFF2-40B4-BE49-F238E27FC236}">
+                <a16:creationId xmlns:a16="http://schemas.microsoft.com/office/drawing/2014/main" id="{A068D447-28D3-4F5F-B2DC-FD67E9015868}"/>
+              </a:ext>
+            </a:extLst>
+          </p:cNvPr>
+          <p:cNvSpPr>
+            <a:spLocks noGrp="1"/>
+          </p:cNvSpPr>
+          <p:nvPr>
+            <p:ph type="subTitle" idx="1"/>
+          </p:nvPr>
+        </p:nvSpPr>
+        <p:spPr>
+          <a:xfrm>
+            <a:off x="1167493" y="3602038"/>
+            <a:ext cx="9500507" cy="806675"/>
+          </a:xfrm>
+        </p:spPr>
+        <p:txBody>
+          <a:bodyPr/>
+          <a:lstStyle/>
+          <a:p>
+            <a:r>
+              <a:rPr lang="en-US" dirty="0"/>
+              <a:t>Mirjam Nilsson</a:t>
+            </a:r>
+          </a:p>
+        </p:txBody>
+      </p:sp>
+    </p:spTree>
+    <p:extLst>
+      <p:ext uri="{BB962C8B-B14F-4D97-AF65-F5344CB8AC3E}">
+        <p14:creationId xmlns:p14="http://schemas.microsoft.com/office/powerpoint/2010/main" val="2259308896"/>
+      </p:ext>
+    </p:extLst>
+  </p:cSld>
+  <p:clrMapOvr>
+    <a:masterClrMapping/>
+  </p:clrMapOvr>
+</p:sld>
+</file>
+
+<file path=ppt/slides/slide10.xml><?xml version="1.0" encoding="utf-8"?>
 <p:sld xmlns:a="http://schemas.openxmlformats.org/drawingml/2006/main" xmlns:r="http://schemas.openxmlformats.org/officeDocument/2006/relationships" xmlns:p="http://schemas.openxmlformats.org/presentationml/2006/main">
   <p:cSld>
     <p:spTree>
@@ -22078,7 +22174,7 @@
 </p:sld>
 </file>
 
-<file path=ppt/slides/slide115.xml><?xml version="1.0" encoding="utf-8"?>
+<file path=ppt/slides/slide11.xml><?xml version="1.0" encoding="utf-8"?>
 <p:sld xmlns:a="http://schemas.openxmlformats.org/drawingml/2006/main" xmlns:r="http://schemas.openxmlformats.org/officeDocument/2006/relationships" xmlns:p="http://schemas.openxmlformats.org/presentationml/2006/main">
   <p:cSld>
     <p:spTree>
@@ -22363,7 +22459,7 @@
 </p:sld>
 </file>
 
-<file path=ppt/slides/slide122.xml><?xml version="1.0" encoding="utf-8"?>
+<file path=ppt/slides/slide12.xml><?xml version="1.0" encoding="utf-8"?>
 <p:sld xmlns:a="http://schemas.openxmlformats.org/drawingml/2006/main" xmlns:r="http://schemas.openxmlformats.org/officeDocument/2006/relationships" xmlns:p="http://schemas.openxmlformats.org/presentationml/2006/main">
   <p:cSld>
     <p:spTree>
@@ -22732,7 +22828,7 @@
 </p:sld>
 </file>
 
-<file path=ppt/slides/slide1314.xml><?xml version="1.0" encoding="utf-8"?>
+<file path=ppt/slides/slide13.xml><?xml version="1.0" encoding="utf-8"?>
 <p:sld xmlns:a="http://schemas.openxmlformats.org/drawingml/2006/main" xmlns:r="http://schemas.openxmlformats.org/officeDocument/2006/relationships" xmlns:p="http://schemas.openxmlformats.org/presentationml/2006/main">
   <p:cSld>
     <p:spTree>
@@ -22901,7 +22997,7 @@
 </p:sld>
 </file>
 
-<file path=ppt/slides/slide1410.xml><?xml version="1.0" encoding="utf-8"?>
+<file path=ppt/slides/slide14.xml><?xml version="1.0" encoding="utf-8"?>
 <p:sld xmlns:a="http://schemas.openxmlformats.org/drawingml/2006/main" xmlns:r="http://schemas.openxmlformats.org/officeDocument/2006/relationships" xmlns:p="http://schemas.openxmlformats.org/presentationml/2006/main">
   <p:cSld>
     <p:spTree>
@@ -23011,103 +23107,7 @@
 </p:sld>
 </file>
 
-<file path=ppt/slides/slide16.xml><?xml version="1.0" encoding="utf-8"?>
-<p:sld xmlns:a="http://schemas.openxmlformats.org/drawingml/2006/main" xmlns:r="http://schemas.openxmlformats.org/officeDocument/2006/relationships" xmlns:p="http://schemas.openxmlformats.org/presentationml/2006/main">
-  <p:cSld>
-    <p:spTree>
-      <p:nvGrpSpPr>
-        <p:cNvPr id="1" name=""/>
-        <p:cNvGrpSpPr/>
-        <p:nvPr/>
-      </p:nvGrpSpPr>
-      <p:grpSpPr>
-        <a:xfrm>
-          <a:off x="0" y="0"/>
-          <a:ext cx="0" cy="0"/>
-          <a:chOff x="0" y="0"/>
-          <a:chExt cx="0" cy="0"/>
-        </a:xfrm>
-      </p:grpSpPr>
-      <p:sp>
-        <p:nvSpPr>
-          <p:cNvPr id="2" name="Title 1">
-            <a:extLst>
-              <a:ext uri="{FF2B5EF4-FFF2-40B4-BE49-F238E27FC236}">
-                <a16:creationId xmlns:a16="http://schemas.microsoft.com/office/drawing/2014/main" id="{51DF3D98-3C30-4CFC-8643-C81E829C8C25}"/>
-              </a:ext>
-            </a:extLst>
-          </p:cNvPr>
-          <p:cNvSpPr>
-            <a:spLocks noGrp="1"/>
-          </p:cNvSpPr>
-          <p:nvPr>
-            <p:ph type="ctrTitle"/>
-          </p:nvPr>
-        </p:nvSpPr>
-        <p:spPr>
-          <a:xfrm>
-            <a:off x="1167493" y="1122363"/>
-            <a:ext cx="7096933" cy="2387600"/>
-          </a:xfrm>
-        </p:spPr>
-        <p:txBody>
-          <a:bodyPr/>
-          <a:lstStyle/>
-          <a:p>
-            <a:r>
-              <a:rPr lang="en-US" dirty="0"/>
-              <a:t>Presentation title</a:t>
-            </a:r>
-          </a:p>
-        </p:txBody>
-      </p:sp>
-      <p:sp>
-        <p:nvSpPr>
-          <p:cNvPr id="3" name="Subtitle 2">
-            <a:extLst>
-              <a:ext uri="{FF2B5EF4-FFF2-40B4-BE49-F238E27FC236}">
-                <a16:creationId xmlns:a16="http://schemas.microsoft.com/office/drawing/2014/main" id="{A068D447-28D3-4F5F-B2DC-FD67E9015868}"/>
-              </a:ext>
-            </a:extLst>
-          </p:cNvPr>
-          <p:cNvSpPr>
-            <a:spLocks noGrp="1"/>
-          </p:cNvSpPr>
-          <p:nvPr>
-            <p:ph type="subTitle" idx="1"/>
-          </p:nvPr>
-        </p:nvSpPr>
-        <p:spPr>
-          <a:xfrm>
-            <a:off x="1167493" y="3602038"/>
-            <a:ext cx="9500507" cy="806675"/>
-          </a:xfrm>
-        </p:spPr>
-        <p:txBody>
-          <a:bodyPr/>
-          <a:lstStyle/>
-          <a:p>
-            <a:r>
-              <a:rPr lang="en-US" dirty="0"/>
-              <a:t>Mirjam Nilsson</a:t>
-            </a:r>
-          </a:p>
-        </p:txBody>
-      </p:sp>
-    </p:spTree>
-    <p:extLst>
-      <p:ext uri="{BB962C8B-B14F-4D97-AF65-F5344CB8AC3E}">
-        <p14:creationId xmlns:p14="http://schemas.microsoft.com/office/powerpoint/2010/main" val="2259308896"/>
-      </p:ext>
-    </p:extLst>
-  </p:cSld>
-  <p:clrMapOvr>
-    <a:masterClrMapping/>
-  </p:clrMapOvr>
-</p:sld>
-</file>
-
-<file path=ppt/slides/slide23.xml><?xml version="1.0" encoding="utf-8"?>
+<file path=ppt/slides/slide2.xml><?xml version="1.0" encoding="utf-8"?>
 <p:sld xmlns:a="http://schemas.openxmlformats.org/drawingml/2006/main" xmlns:r="http://schemas.openxmlformats.org/officeDocument/2006/relationships" xmlns:p="http://schemas.openxmlformats.org/presentationml/2006/main">
   <p:cSld>
     <p:spTree>
@@ -23300,7 +23300,7 @@
 </p:sld>
 </file>
 
-<file path=ppt/slides/slide312.xml><?xml version="1.0" encoding="utf-8"?>
+<file path=ppt/slides/slide3.xml><?xml version="1.0" encoding="utf-8"?>
 <p:sld xmlns:a="http://schemas.openxmlformats.org/drawingml/2006/main" xmlns:r="http://schemas.openxmlformats.org/officeDocument/2006/relationships" xmlns:p="http://schemas.openxmlformats.org/presentationml/2006/main">
   <p:cSld>
     <p:spTree>
@@ -23466,7 +23466,7 @@
 </p:sld>
 </file>
 
-<file path=ppt/slides/slide49.xml><?xml version="1.0" encoding="utf-8"?>
+<file path=ppt/slides/slide4.xml><?xml version="1.0" encoding="utf-8"?>
 <p:sld xmlns:a="http://schemas.openxmlformats.org/drawingml/2006/main" xmlns:r="http://schemas.openxmlformats.org/officeDocument/2006/relationships" xmlns:p="http://schemas.openxmlformats.org/presentationml/2006/main">
   <p:cSld>
     <p:spTree>
@@ -23564,7 +23564,7 @@
 </p:sld>
 </file>
 
-<file path=ppt/slides/slide57.xml><?xml version="1.0" encoding="utf-8"?>
+<file path=ppt/slides/slide5.xml><?xml version="1.0" encoding="utf-8"?>
 <p:sld xmlns:a="http://schemas.openxmlformats.org/drawingml/2006/main" xmlns:r="http://schemas.openxmlformats.org/officeDocument/2006/relationships" xmlns:p="http://schemas.openxmlformats.org/presentationml/2006/main">
   <p:cSld>
     <p:spTree>
@@ -25379,7 +25379,7 @@
 </p:sld>
 </file>
 
-<file path=ppt/slides/slide64.xml><?xml version="1.0" encoding="utf-8"?>
+<file path=ppt/slides/slide6.xml><?xml version="1.0" encoding="utf-8"?>
 <p:sld xmlns:a="http://schemas.openxmlformats.org/drawingml/2006/main" xmlns:r="http://schemas.openxmlformats.org/officeDocument/2006/relationships" xmlns:p="http://schemas.openxmlformats.org/presentationml/2006/main">
   <p:cSld>
     <p:spTree>
@@ -25604,7 +25604,7 @@
 </p:sld>
 </file>
 
-<file path=ppt/slides/slide71.xml><?xml version="1.0" encoding="utf-8"?>
+<file path=ppt/slides/slide7.xml><?xml version="1.0" encoding="utf-8"?>
 <p:sld xmlns:a="http://schemas.openxmlformats.org/drawingml/2006/main" xmlns:r="http://schemas.openxmlformats.org/officeDocument/2006/relationships" xmlns:p="http://schemas.openxmlformats.org/presentationml/2006/main">
   <p:cSld>
     <p:spTree>
@@ -26135,7 +26135,7 @@
 </p:sld>
 </file>
 
-<file path=ppt/slides/slide813.xml><?xml version="1.0" encoding="utf-8"?>
+<file path=ppt/slides/slide8.xml><?xml version="1.0" encoding="utf-8"?>
 <p:sld xmlns:a="http://schemas.openxmlformats.org/drawingml/2006/main" xmlns:r="http://schemas.openxmlformats.org/officeDocument/2006/relationships" xmlns:p="http://schemas.openxmlformats.org/presentationml/2006/main">
   <p:cSld>
     <p:spTree>
@@ -27066,7 +27066,7 @@
 </p:sld>
 </file>
 
-<file path=ppt/slides/slide911.xml><?xml version="1.0" encoding="utf-8"?>
+<file path=ppt/slides/slide9.xml><?xml version="1.0" encoding="utf-8"?>
 <p:sld xmlns:a="http://schemas.openxmlformats.org/drawingml/2006/main" xmlns:r="http://schemas.openxmlformats.org/officeDocument/2006/relationships" xmlns:p="http://schemas.openxmlformats.org/presentationml/2006/main">
   <p:cSld>
     <p:spTree>
@@ -27434,7 +27434,7 @@
 </p:sld>
 </file>
 
-<file path=ppt/theme/theme11.xml><?xml version="1.0" encoding="utf-8"?>
+<file path=ppt/theme/theme1.xml><?xml version="1.0" encoding="utf-8"?>
 <a:theme xmlns:a="http://schemas.openxmlformats.org/drawingml/2006/main" name="Office Theme">
   <a:themeElements>
     <a:clrScheme name="Universal Color Block">
@@ -27635,7 +27635,7 @@
 </a:theme>
 </file>
 
-<file path=ppt/theme/theme22.xml><?xml version="1.0" encoding="utf-8"?>
+<file path=ppt/theme/theme2.xml><?xml version="1.0" encoding="utf-8"?>
 <a:theme xmlns:a="http://schemas.openxmlformats.org/drawingml/2006/main" name="Office Theme">
   <a:themeElements>
     <a:clrScheme name="Office">
@@ -27930,7 +27930,16 @@
 </a:theme>
 </file>
 
-<file path=customXml/item13.xml><?xml version="1.0" encoding="utf-8"?>
+<file path=customXml/item1.xml><?xml version="1.0" encoding="utf-8"?>
+<?mso-contentType ?>
+<FormTemplates xmlns="http://schemas.microsoft.com/sharepoint/v3/contenttype/forms">
+  <Display>DocumentLibraryForm</Display>
+  <Edit>DocumentLibraryForm</Edit>
+  <New>DocumentLibraryForm</New>
+</FormTemplates>
+</file>
+
+<file path=customXml/item2.xml><?xml version="1.0" encoding="utf-8"?>
 <ct:contentTypeSchema xmlns:ct="http://schemas.microsoft.com/office/2006/metadata/contentType" xmlns:ma="http://schemas.microsoft.com/office/2006/metadata/properties/metaAttributes" ct:_="" ma:_="" ma:contentTypeName="Document" ma:contentTypeID="0x01010079F111ED35F8CC479449609E8A0923A6" ma:contentTypeVersion="21" ma:contentTypeDescription="Create a new document." ma:contentTypeScope="" ma:versionID="64dfb1555687e0874b4304b796b5b0c7">
   <xsd:schema xmlns:xsd="http://www.w3.org/2001/XMLSchema" xmlns:xs="http://www.w3.org/2001/XMLSchema" xmlns:p="http://schemas.microsoft.com/office/2006/metadata/properties" xmlns:ns1="http://schemas.microsoft.com/sharepoint/v3" xmlns:ns2="71af3243-3dd4-4a8d-8c0d-dd76da1f02a5" xmlns:ns3="16c05727-aa75-4e4a-9b5f-8a80a1165891" xmlns:ns4="230e9df3-be65-4c73-a93b-d1236ebd677e" targetNamespace="http://schemas.microsoft.com/office/2006/metadata/properties" ma:root="true" ma:fieldsID="e6e4c555b5e194d05b7203de9c4567b3" ns1:_="" ns2:_="" ns3:_="" ns4:_="">
     <xsd:import namespace="http://schemas.microsoft.com/sharepoint/v3"/>
@@ -28212,15 +28221,6 @@
 </ct:contentTypeSchema>
 </file>
 
-<file path=customXml/item22.xml><?xml version="1.0" encoding="utf-8"?>
-<?mso-contentType ?>
-<FormTemplates xmlns="http://schemas.microsoft.com/sharepoint/v3/contenttype/forms">
-  <Display>DocumentLibraryForm</Display>
-  <Edit>DocumentLibraryForm</Edit>
-  <New>DocumentLibraryForm</New>
-</FormTemplates>
-</file>
-
 <file path=customXml/item3.xml><?xml version="1.0" encoding="utf-8"?>
 <p:properties xmlns:p="http://schemas.microsoft.com/office/2006/metadata/properties" xmlns:xsi="http://www.w3.org/2001/XMLSchema-instance" xmlns:pc="http://schemas.microsoft.com/office/infopath/2007/PartnerControls">
   <documentManagement>
@@ -28240,16 +28240,45 @@
 </p:properties>
 </file>
 
-<file path=customXml/itemProps13.xml><?xml version="1.0" encoding="utf-8"?>
-<ds:datastoreItem xmlns:ds="http://schemas.openxmlformats.org/officeDocument/2006/customXml" ds:itemID="{2F1176D5-513E-4E73-98C9-4CEA832F576D}"/>
+<file path=customXml/itemProps1.xml><?xml version="1.0" encoding="utf-8"?>
+<ds:datastoreItem xmlns:ds="http://schemas.openxmlformats.org/officeDocument/2006/customXml" ds:itemID="{42076B5C-85B0-4D30-852D-5E5312EEA93B}">
+  <ds:schemaRefs>
+    <ds:schemaRef ds:uri="http://schemas.microsoft.com/sharepoint/v3/contenttype/forms"/>
+  </ds:schemaRefs>
+</ds:datastoreItem>
 </file>
 
-<file path=customXml/itemProps22.xml><?xml version="1.0" encoding="utf-8"?>
-<ds:datastoreItem xmlns:ds="http://schemas.openxmlformats.org/officeDocument/2006/customXml" ds:itemID="{42076B5C-85B0-4D30-852D-5E5312EEA93B}"/>
+<file path=customXml/itemProps2.xml><?xml version="1.0" encoding="utf-8"?>
+<ds:datastoreItem xmlns:ds="http://schemas.openxmlformats.org/officeDocument/2006/customXml" ds:itemID="{2F1176D5-513E-4E73-98C9-4CEA832F576D}">
+  <ds:schemaRefs>
+    <ds:schemaRef ds:uri="http://schemas.microsoft.com/office/2006/metadata/contentType"/>
+    <ds:schemaRef ds:uri="http://schemas.microsoft.com/office/2006/metadata/properties/metaAttributes"/>
+    <ds:schemaRef ds:uri="http://www.w3.org/2001/XMLSchema"/>
+    <ds:schemaRef ds:uri="http://schemas.microsoft.com/office/2006/metadata/properties"/>
+    <ds:schemaRef ds:uri="http://schemas.microsoft.com/sharepoint/v3"/>
+    <ds:schemaRef ds:uri="71af3243-3dd4-4a8d-8c0d-dd76da1f02a5"/>
+    <ds:schemaRef ds:uri="16c05727-aa75-4e4a-9b5f-8a80a1165891"/>
+    <ds:schemaRef ds:uri="230e9df3-be65-4c73-a93b-d1236ebd677e"/>
+    <ds:schemaRef ds:uri="http://schemas.microsoft.com/office/2006/documentManagement/types"/>
+    <ds:schemaRef ds:uri="http://schemas.microsoft.com/office/infopath/2007/PartnerControls"/>
+    <ds:schemaRef ds:uri="http://schemas.openxmlformats.org/package/2006/metadata/core-properties"/>
+    <ds:schemaRef ds:uri="http://purl.org/dc/elements/1.1/"/>
+    <ds:schemaRef ds:uri="http://purl.org/dc/terms/"/>
+    <ds:schemaRef ds:uri="http://schemas.microsoft.com/internal/obd"/>
+  </ds:schemaRefs>
+</ds:datastoreItem>
 </file>
 
-<file path=customXml/itemProps31.xml><?xml version="1.0" encoding="utf-8"?>
-<ds:datastoreItem xmlns:ds="http://schemas.openxmlformats.org/officeDocument/2006/customXml" ds:itemID="{1342FAFE-88B4-49B4-9588-86CB0E564E50}"/>
+<file path=customXml/itemProps3.xml><?xml version="1.0" encoding="utf-8"?>
+<ds:datastoreItem xmlns:ds="http://schemas.openxmlformats.org/officeDocument/2006/customXml" ds:itemID="{1342FAFE-88B4-49B4-9588-86CB0E564E50}">
+  <ds:schemaRefs>
+    <ds:schemaRef ds:uri="http://schemas.microsoft.com/office/2006/metadata/properties"/>
+    <ds:schemaRef ds:uri="http://schemas.microsoft.com/office/infopath/2007/PartnerControls"/>
+    <ds:schemaRef ds:uri="http://schemas.microsoft.com/sharepoint/v3"/>
+    <ds:schemaRef ds:uri="71af3243-3dd4-4a8d-8c0d-dd76da1f02a5"/>
+    <ds:schemaRef ds:uri="230e9df3-be65-4c73-a93b-d1236ebd677e"/>
+  </ds:schemaRefs>
+</ds:datastoreItem>
 </file>
 
 <file path=docMetadata/LabelInfo.xml><?xml version="1.0" encoding="utf-8"?>
